--- a/20180731ChemUni/resource/教案/0 大学化学电子教案 目录.pptx
+++ b/20180731ChemUni/resource/教案/0 大学化学电子教案 目录.pptx
@@ -113,7 +113,7 @@
   </p:defaultTextStyle>
   <p:extLst>
     <p:ext uri="{EFAFB233-063F-42B5-8137-9DF3F51BA10A}">
-      <p15:sldGuideLst xmlns:p15="http://schemas.microsoft.com/office/powerpoint/2012/main" xmlns=""/>
+      <p15:sldGuideLst xmlns="" xmlns:p15="http://schemas.microsoft.com/office/powerpoint/2012/main"/>
     </p:ext>
   </p:extLst>
 </p:presentation>
@@ -205,7 +205,7 @@
           <a:p>
             <a:fld id="{C8CA58C0-A8A5-4873-9A28-61A27607E70A}" type="datetimeFigureOut">
               <a:rPr lang="zh-CN" altLang="en-US" smtClean="0"/>
-              <a:t>2018/7/11</a:t>
+              <a:t>2018/8/7</a:t>
             </a:fld>
             <a:endParaRPr lang="zh-CN" altLang="en-US"/>
           </a:p>
@@ -1294,7 +1294,7 @@
           <p:cNvPr id="2" name="标题 1">
             <a:extLst>
               <a:ext uri="{FF2B5EF4-FFF2-40B4-BE49-F238E27FC236}">
-                <a16:creationId xmlns:a16="http://schemas.microsoft.com/office/drawing/2014/main" xmlns="" id="{7D705C71-D457-4DBA-98DA-F32047F0A2D5}"/>
+                <a16:creationId xmlns="" xmlns:a16="http://schemas.microsoft.com/office/drawing/2014/main" id="{7D705C71-D457-4DBA-98DA-F32047F0A2D5}"/>
               </a:ext>
             </a:extLst>
           </p:cNvPr>
@@ -1331,7 +1331,7 @@
           <p:cNvPr id="3" name="副标题 2">
             <a:extLst>
               <a:ext uri="{FF2B5EF4-FFF2-40B4-BE49-F238E27FC236}">
-                <a16:creationId xmlns:a16="http://schemas.microsoft.com/office/drawing/2014/main" xmlns="" id="{BEE287E0-D37D-481F-827C-1F3177D33015}"/>
+                <a16:creationId xmlns="" xmlns:a16="http://schemas.microsoft.com/office/drawing/2014/main" id="{BEE287E0-D37D-481F-827C-1F3177D33015}"/>
               </a:ext>
             </a:extLst>
           </p:cNvPr>
@@ -1401,7 +1401,7 @@
           <p:cNvPr id="4" name="日期占位符 3">
             <a:extLst>
               <a:ext uri="{FF2B5EF4-FFF2-40B4-BE49-F238E27FC236}">
-                <a16:creationId xmlns:a16="http://schemas.microsoft.com/office/drawing/2014/main" xmlns="" id="{5D3770B9-2FD5-4BAD-AF02-C89FC713580F}"/>
+                <a16:creationId xmlns="" xmlns:a16="http://schemas.microsoft.com/office/drawing/2014/main" id="{5D3770B9-2FD5-4BAD-AF02-C89FC713580F}"/>
               </a:ext>
             </a:extLst>
           </p:cNvPr>
@@ -1419,7 +1419,7 @@
           <a:p>
             <a:fld id="{A331BB1A-BD65-48FB-939A-7E246D51B2D8}" type="datetimeFigureOut">
               <a:rPr lang="zh-CN" altLang="en-US" smtClean="0"/>
-              <a:t>2018/7/11</a:t>
+              <a:t>2018/8/7</a:t>
             </a:fld>
             <a:endParaRPr lang="zh-CN" altLang="en-US"/>
           </a:p>
@@ -1430,7 +1430,7 @@
           <p:cNvPr id="5" name="页脚占位符 4">
             <a:extLst>
               <a:ext uri="{FF2B5EF4-FFF2-40B4-BE49-F238E27FC236}">
-                <a16:creationId xmlns:a16="http://schemas.microsoft.com/office/drawing/2014/main" xmlns="" id="{D0803810-37A3-45CF-8682-90B3B33BF14C}"/>
+                <a16:creationId xmlns="" xmlns:a16="http://schemas.microsoft.com/office/drawing/2014/main" id="{D0803810-37A3-45CF-8682-90B3B33BF14C}"/>
               </a:ext>
             </a:extLst>
           </p:cNvPr>
@@ -1455,7 +1455,7 @@
           <p:cNvPr id="6" name="灯片编号占位符 5">
             <a:extLst>
               <a:ext uri="{FF2B5EF4-FFF2-40B4-BE49-F238E27FC236}">
-                <a16:creationId xmlns:a16="http://schemas.microsoft.com/office/drawing/2014/main" xmlns="" id="{365AD92B-6365-40D4-8ED5-C152975B8175}"/>
+                <a16:creationId xmlns="" xmlns:a16="http://schemas.microsoft.com/office/drawing/2014/main" id="{365AD92B-6365-40D4-8ED5-C152975B8175}"/>
               </a:ext>
             </a:extLst>
           </p:cNvPr>
@@ -1484,7 +1484,7 @@
           <p:cNvPr id="12" name="图片 11">
             <a:extLst>
               <a:ext uri="{FF2B5EF4-FFF2-40B4-BE49-F238E27FC236}">
-                <a16:creationId xmlns:a16="http://schemas.microsoft.com/office/drawing/2014/main" xmlns="" id="{E93047EF-423B-4BD8-8764-F0F38F567A20}"/>
+                <a16:creationId xmlns="" xmlns:a16="http://schemas.microsoft.com/office/drawing/2014/main" id="{E93047EF-423B-4BD8-8764-F0F38F567A20}"/>
               </a:ext>
             </a:extLst>
           </p:cNvPr>
@@ -1527,7 +1527,7 @@
           <p:cNvPr id="14" name="直接连接符 13">
             <a:extLst>
               <a:ext uri="{FF2B5EF4-FFF2-40B4-BE49-F238E27FC236}">
-                <a16:creationId xmlns:a16="http://schemas.microsoft.com/office/drawing/2014/main" xmlns="" id="{554FEBEA-5C7D-413E-AB89-E28D0D97091C}"/>
+                <a16:creationId xmlns="" xmlns:a16="http://schemas.microsoft.com/office/drawing/2014/main" id="{554FEBEA-5C7D-413E-AB89-E28D0D97091C}"/>
               </a:ext>
             </a:extLst>
           </p:cNvPr>
@@ -1624,7 +1624,7 @@
           <p:cNvPr id="2" name="标题 1">
             <a:extLst>
               <a:ext uri="{FF2B5EF4-FFF2-40B4-BE49-F238E27FC236}">
-                <a16:creationId xmlns:a16="http://schemas.microsoft.com/office/drawing/2014/main" xmlns="" id="{8454815B-E304-4786-BD37-6D89132B2AC4}"/>
+                <a16:creationId xmlns="" xmlns:a16="http://schemas.microsoft.com/office/drawing/2014/main" id="{8454815B-E304-4786-BD37-6D89132B2AC4}"/>
               </a:ext>
             </a:extLst>
           </p:cNvPr>
@@ -1652,7 +1652,7 @@
           <p:cNvPr id="3" name="竖排文字占位符 2">
             <a:extLst>
               <a:ext uri="{FF2B5EF4-FFF2-40B4-BE49-F238E27FC236}">
-                <a16:creationId xmlns:a16="http://schemas.microsoft.com/office/drawing/2014/main" xmlns="" id="{6624F2FA-194D-4A84-989D-6C37A38959DA}"/>
+                <a16:creationId xmlns="" xmlns:a16="http://schemas.microsoft.com/office/drawing/2014/main" id="{6624F2FA-194D-4A84-989D-6C37A38959DA}"/>
               </a:ext>
             </a:extLst>
           </p:cNvPr>
@@ -1709,7 +1709,7 @@
           <p:cNvPr id="4" name="日期占位符 3">
             <a:extLst>
               <a:ext uri="{FF2B5EF4-FFF2-40B4-BE49-F238E27FC236}">
-                <a16:creationId xmlns:a16="http://schemas.microsoft.com/office/drawing/2014/main" xmlns="" id="{A764F5E7-E5F2-44DF-A7A4-2C9F941CEEEB}"/>
+                <a16:creationId xmlns="" xmlns:a16="http://schemas.microsoft.com/office/drawing/2014/main" id="{A764F5E7-E5F2-44DF-A7A4-2C9F941CEEEB}"/>
               </a:ext>
             </a:extLst>
           </p:cNvPr>
@@ -1727,7 +1727,7 @@
           <a:p>
             <a:fld id="{A331BB1A-BD65-48FB-939A-7E246D51B2D8}" type="datetimeFigureOut">
               <a:rPr lang="zh-CN" altLang="en-US" smtClean="0"/>
-              <a:t>2018/7/11</a:t>
+              <a:t>2018/8/7</a:t>
             </a:fld>
             <a:endParaRPr lang="zh-CN" altLang="en-US"/>
           </a:p>
@@ -1738,7 +1738,7 @@
           <p:cNvPr id="5" name="页脚占位符 4">
             <a:extLst>
               <a:ext uri="{FF2B5EF4-FFF2-40B4-BE49-F238E27FC236}">
-                <a16:creationId xmlns:a16="http://schemas.microsoft.com/office/drawing/2014/main" xmlns="" id="{65F0AACD-7E38-4649-A57C-FE4367D6BADE}"/>
+                <a16:creationId xmlns="" xmlns:a16="http://schemas.microsoft.com/office/drawing/2014/main" id="{65F0AACD-7E38-4649-A57C-FE4367D6BADE}"/>
               </a:ext>
             </a:extLst>
           </p:cNvPr>
@@ -1763,7 +1763,7 @@
           <p:cNvPr id="6" name="灯片编号占位符 5">
             <a:extLst>
               <a:ext uri="{FF2B5EF4-FFF2-40B4-BE49-F238E27FC236}">
-                <a16:creationId xmlns:a16="http://schemas.microsoft.com/office/drawing/2014/main" xmlns="" id="{8E3C7833-3A1D-4203-9FDD-6639AC62925C}"/>
+                <a16:creationId xmlns="" xmlns:a16="http://schemas.microsoft.com/office/drawing/2014/main" id="{8E3C7833-3A1D-4203-9FDD-6639AC62925C}"/>
               </a:ext>
             </a:extLst>
           </p:cNvPr>
@@ -1822,7 +1822,7 @@
           <p:cNvPr id="2" name="竖排标题 1">
             <a:extLst>
               <a:ext uri="{FF2B5EF4-FFF2-40B4-BE49-F238E27FC236}">
-                <a16:creationId xmlns:a16="http://schemas.microsoft.com/office/drawing/2014/main" xmlns="" id="{C000706C-D421-459B-98C0-155E6B375D46}"/>
+                <a16:creationId xmlns="" xmlns:a16="http://schemas.microsoft.com/office/drawing/2014/main" id="{C000706C-D421-459B-98C0-155E6B375D46}"/>
               </a:ext>
             </a:extLst>
           </p:cNvPr>
@@ -1855,7 +1855,7 @@
           <p:cNvPr id="3" name="竖排文字占位符 2">
             <a:extLst>
               <a:ext uri="{FF2B5EF4-FFF2-40B4-BE49-F238E27FC236}">
-                <a16:creationId xmlns:a16="http://schemas.microsoft.com/office/drawing/2014/main" xmlns="" id="{5FC6D352-7D16-47A2-907D-20DF540EAF8C}"/>
+                <a16:creationId xmlns="" xmlns:a16="http://schemas.microsoft.com/office/drawing/2014/main" id="{5FC6D352-7D16-47A2-907D-20DF540EAF8C}"/>
               </a:ext>
             </a:extLst>
           </p:cNvPr>
@@ -1917,7 +1917,7 @@
           <p:cNvPr id="4" name="日期占位符 3">
             <a:extLst>
               <a:ext uri="{FF2B5EF4-FFF2-40B4-BE49-F238E27FC236}">
-                <a16:creationId xmlns:a16="http://schemas.microsoft.com/office/drawing/2014/main" xmlns="" id="{734553EE-2D7B-46FB-A7C7-1027998E2E54}"/>
+                <a16:creationId xmlns="" xmlns:a16="http://schemas.microsoft.com/office/drawing/2014/main" id="{734553EE-2D7B-46FB-A7C7-1027998E2E54}"/>
               </a:ext>
             </a:extLst>
           </p:cNvPr>
@@ -1935,7 +1935,7 @@
           <a:p>
             <a:fld id="{A331BB1A-BD65-48FB-939A-7E246D51B2D8}" type="datetimeFigureOut">
               <a:rPr lang="zh-CN" altLang="en-US" smtClean="0"/>
-              <a:t>2018/7/11</a:t>
+              <a:t>2018/8/7</a:t>
             </a:fld>
             <a:endParaRPr lang="zh-CN" altLang="en-US"/>
           </a:p>
@@ -1946,7 +1946,7 @@
           <p:cNvPr id="5" name="页脚占位符 4">
             <a:extLst>
               <a:ext uri="{FF2B5EF4-FFF2-40B4-BE49-F238E27FC236}">
-                <a16:creationId xmlns:a16="http://schemas.microsoft.com/office/drawing/2014/main" xmlns="" id="{F911BA30-0364-4ACC-8C34-81C7909DFDE9}"/>
+                <a16:creationId xmlns="" xmlns:a16="http://schemas.microsoft.com/office/drawing/2014/main" id="{F911BA30-0364-4ACC-8C34-81C7909DFDE9}"/>
               </a:ext>
             </a:extLst>
           </p:cNvPr>
@@ -1971,7 +1971,7 @@
           <p:cNvPr id="6" name="灯片编号占位符 5">
             <a:extLst>
               <a:ext uri="{FF2B5EF4-FFF2-40B4-BE49-F238E27FC236}">
-                <a16:creationId xmlns:a16="http://schemas.microsoft.com/office/drawing/2014/main" xmlns="" id="{429DA55D-3D3A-4F4A-9C90-7B8507D52B39}"/>
+                <a16:creationId xmlns="" xmlns:a16="http://schemas.microsoft.com/office/drawing/2014/main" id="{429DA55D-3D3A-4F4A-9C90-7B8507D52B39}"/>
               </a:ext>
             </a:extLst>
           </p:cNvPr>
@@ -2030,7 +2030,7 @@
           <p:cNvPr id="2" name="标题 1">
             <a:extLst>
               <a:ext uri="{FF2B5EF4-FFF2-40B4-BE49-F238E27FC236}">
-                <a16:creationId xmlns:a16="http://schemas.microsoft.com/office/drawing/2014/main" xmlns="" id="{BEA57049-5F47-4B43-B567-34CAA9F30E3B}"/>
+                <a16:creationId xmlns="" xmlns:a16="http://schemas.microsoft.com/office/drawing/2014/main" id="{BEA57049-5F47-4B43-B567-34CAA9F30E3B}"/>
               </a:ext>
             </a:extLst>
           </p:cNvPr>
@@ -2058,7 +2058,7 @@
           <p:cNvPr id="3" name="内容占位符 2">
             <a:extLst>
               <a:ext uri="{FF2B5EF4-FFF2-40B4-BE49-F238E27FC236}">
-                <a16:creationId xmlns:a16="http://schemas.microsoft.com/office/drawing/2014/main" xmlns="" id="{694714AC-ADBC-4822-B6CB-A0D35E2D3F4A}"/>
+                <a16:creationId xmlns="" xmlns:a16="http://schemas.microsoft.com/office/drawing/2014/main" id="{694714AC-ADBC-4822-B6CB-A0D35E2D3F4A}"/>
               </a:ext>
             </a:extLst>
           </p:cNvPr>
@@ -2115,7 +2115,7 @@
           <p:cNvPr id="4" name="日期占位符 3">
             <a:extLst>
               <a:ext uri="{FF2B5EF4-FFF2-40B4-BE49-F238E27FC236}">
-                <a16:creationId xmlns:a16="http://schemas.microsoft.com/office/drawing/2014/main" xmlns="" id="{3ABD5D2C-34B4-4619-B76C-A026DC33A905}"/>
+                <a16:creationId xmlns="" xmlns:a16="http://schemas.microsoft.com/office/drawing/2014/main" id="{3ABD5D2C-34B4-4619-B76C-A026DC33A905}"/>
               </a:ext>
             </a:extLst>
           </p:cNvPr>
@@ -2133,7 +2133,7 @@
           <a:p>
             <a:fld id="{A331BB1A-BD65-48FB-939A-7E246D51B2D8}" type="datetimeFigureOut">
               <a:rPr lang="zh-CN" altLang="en-US" smtClean="0"/>
-              <a:t>2018/7/11</a:t>
+              <a:t>2018/8/7</a:t>
             </a:fld>
             <a:endParaRPr lang="zh-CN" altLang="en-US"/>
           </a:p>
@@ -2144,7 +2144,7 @@
           <p:cNvPr id="5" name="页脚占位符 4">
             <a:extLst>
               <a:ext uri="{FF2B5EF4-FFF2-40B4-BE49-F238E27FC236}">
-                <a16:creationId xmlns:a16="http://schemas.microsoft.com/office/drawing/2014/main" xmlns="" id="{38E1B0CA-E35C-4085-A5FF-D9610882DFD0}"/>
+                <a16:creationId xmlns="" xmlns:a16="http://schemas.microsoft.com/office/drawing/2014/main" id="{38E1B0CA-E35C-4085-A5FF-D9610882DFD0}"/>
               </a:ext>
             </a:extLst>
           </p:cNvPr>
@@ -2169,7 +2169,7 @@
           <p:cNvPr id="6" name="灯片编号占位符 5">
             <a:extLst>
               <a:ext uri="{FF2B5EF4-FFF2-40B4-BE49-F238E27FC236}">
-                <a16:creationId xmlns:a16="http://schemas.microsoft.com/office/drawing/2014/main" xmlns="" id="{0A3F2550-A2E1-4ED8-A4AF-51733158DD09}"/>
+                <a16:creationId xmlns="" xmlns:a16="http://schemas.microsoft.com/office/drawing/2014/main" id="{0A3F2550-A2E1-4ED8-A4AF-51733158DD09}"/>
               </a:ext>
             </a:extLst>
           </p:cNvPr>
@@ -2228,7 +2228,7 @@
           <p:cNvPr id="2" name="标题 1">
             <a:extLst>
               <a:ext uri="{FF2B5EF4-FFF2-40B4-BE49-F238E27FC236}">
-                <a16:creationId xmlns:a16="http://schemas.microsoft.com/office/drawing/2014/main" xmlns="" id="{2102B164-F971-4F26-A223-413289BD686A}"/>
+                <a16:creationId xmlns="" xmlns:a16="http://schemas.microsoft.com/office/drawing/2014/main" id="{2102B164-F971-4F26-A223-413289BD686A}"/>
               </a:ext>
             </a:extLst>
           </p:cNvPr>
@@ -2265,7 +2265,7 @@
           <p:cNvPr id="3" name="文本占位符 2">
             <a:extLst>
               <a:ext uri="{FF2B5EF4-FFF2-40B4-BE49-F238E27FC236}">
-                <a16:creationId xmlns:a16="http://schemas.microsoft.com/office/drawing/2014/main" xmlns="" id="{EA75EE9C-900F-4852-9AD6-67DF714FD3AD}"/>
+                <a16:creationId xmlns="" xmlns:a16="http://schemas.microsoft.com/office/drawing/2014/main" id="{EA75EE9C-900F-4852-9AD6-67DF714FD3AD}"/>
               </a:ext>
             </a:extLst>
           </p:cNvPr>
@@ -2390,7 +2390,7 @@
           <p:cNvPr id="4" name="日期占位符 3">
             <a:extLst>
               <a:ext uri="{FF2B5EF4-FFF2-40B4-BE49-F238E27FC236}">
-                <a16:creationId xmlns:a16="http://schemas.microsoft.com/office/drawing/2014/main" xmlns="" id="{E1C42851-6C04-46BB-A216-6276E0816540}"/>
+                <a16:creationId xmlns="" xmlns:a16="http://schemas.microsoft.com/office/drawing/2014/main" id="{E1C42851-6C04-46BB-A216-6276E0816540}"/>
               </a:ext>
             </a:extLst>
           </p:cNvPr>
@@ -2408,7 +2408,7 @@
           <a:p>
             <a:fld id="{A331BB1A-BD65-48FB-939A-7E246D51B2D8}" type="datetimeFigureOut">
               <a:rPr lang="zh-CN" altLang="en-US" smtClean="0"/>
-              <a:t>2018/7/11</a:t>
+              <a:t>2018/8/7</a:t>
             </a:fld>
             <a:endParaRPr lang="zh-CN" altLang="en-US"/>
           </a:p>
@@ -2419,7 +2419,7 @@
           <p:cNvPr id="5" name="页脚占位符 4">
             <a:extLst>
               <a:ext uri="{FF2B5EF4-FFF2-40B4-BE49-F238E27FC236}">
-                <a16:creationId xmlns:a16="http://schemas.microsoft.com/office/drawing/2014/main" xmlns="" id="{61D51087-2165-4B4C-88CF-20FB9EA5EE4F}"/>
+                <a16:creationId xmlns="" xmlns:a16="http://schemas.microsoft.com/office/drawing/2014/main" id="{61D51087-2165-4B4C-88CF-20FB9EA5EE4F}"/>
               </a:ext>
             </a:extLst>
           </p:cNvPr>
@@ -2444,7 +2444,7 @@
           <p:cNvPr id="6" name="灯片编号占位符 5">
             <a:extLst>
               <a:ext uri="{FF2B5EF4-FFF2-40B4-BE49-F238E27FC236}">
-                <a16:creationId xmlns:a16="http://schemas.microsoft.com/office/drawing/2014/main" xmlns="" id="{559D4ECB-5569-465E-BAF8-4E218FBA1F69}"/>
+                <a16:creationId xmlns="" xmlns:a16="http://schemas.microsoft.com/office/drawing/2014/main" id="{559D4ECB-5569-465E-BAF8-4E218FBA1F69}"/>
               </a:ext>
             </a:extLst>
           </p:cNvPr>
@@ -2503,7 +2503,7 @@
           <p:cNvPr id="2" name="标题 1">
             <a:extLst>
               <a:ext uri="{FF2B5EF4-FFF2-40B4-BE49-F238E27FC236}">
-                <a16:creationId xmlns:a16="http://schemas.microsoft.com/office/drawing/2014/main" xmlns="" id="{687935E8-5447-4308-824A-E8B597A6C7D7}"/>
+                <a16:creationId xmlns="" xmlns:a16="http://schemas.microsoft.com/office/drawing/2014/main" id="{687935E8-5447-4308-824A-E8B597A6C7D7}"/>
               </a:ext>
             </a:extLst>
           </p:cNvPr>
@@ -2531,7 +2531,7 @@
           <p:cNvPr id="3" name="内容占位符 2">
             <a:extLst>
               <a:ext uri="{FF2B5EF4-FFF2-40B4-BE49-F238E27FC236}">
-                <a16:creationId xmlns:a16="http://schemas.microsoft.com/office/drawing/2014/main" xmlns="" id="{6733F451-049C-43D5-9056-6CD89E1F6777}"/>
+                <a16:creationId xmlns="" xmlns:a16="http://schemas.microsoft.com/office/drawing/2014/main" id="{6733F451-049C-43D5-9056-6CD89E1F6777}"/>
               </a:ext>
             </a:extLst>
           </p:cNvPr>
@@ -2593,7 +2593,7 @@
           <p:cNvPr id="4" name="内容占位符 3">
             <a:extLst>
               <a:ext uri="{FF2B5EF4-FFF2-40B4-BE49-F238E27FC236}">
-                <a16:creationId xmlns:a16="http://schemas.microsoft.com/office/drawing/2014/main" xmlns="" id="{B57B02F0-7C65-4F63-90DD-1C1235326F40}"/>
+                <a16:creationId xmlns="" xmlns:a16="http://schemas.microsoft.com/office/drawing/2014/main" id="{B57B02F0-7C65-4F63-90DD-1C1235326F40}"/>
               </a:ext>
             </a:extLst>
           </p:cNvPr>
@@ -2655,7 +2655,7 @@
           <p:cNvPr id="5" name="日期占位符 4">
             <a:extLst>
               <a:ext uri="{FF2B5EF4-FFF2-40B4-BE49-F238E27FC236}">
-                <a16:creationId xmlns:a16="http://schemas.microsoft.com/office/drawing/2014/main" xmlns="" id="{C80C887A-BDBC-40AD-AF46-4CF8BA1EAA9E}"/>
+                <a16:creationId xmlns="" xmlns:a16="http://schemas.microsoft.com/office/drawing/2014/main" id="{C80C887A-BDBC-40AD-AF46-4CF8BA1EAA9E}"/>
               </a:ext>
             </a:extLst>
           </p:cNvPr>
@@ -2673,7 +2673,7 @@
           <a:p>
             <a:fld id="{A331BB1A-BD65-48FB-939A-7E246D51B2D8}" type="datetimeFigureOut">
               <a:rPr lang="zh-CN" altLang="en-US" smtClean="0"/>
-              <a:t>2018/7/11</a:t>
+              <a:t>2018/8/7</a:t>
             </a:fld>
             <a:endParaRPr lang="zh-CN" altLang="en-US"/>
           </a:p>
@@ -2684,7 +2684,7 @@
           <p:cNvPr id="6" name="页脚占位符 5">
             <a:extLst>
               <a:ext uri="{FF2B5EF4-FFF2-40B4-BE49-F238E27FC236}">
-                <a16:creationId xmlns:a16="http://schemas.microsoft.com/office/drawing/2014/main" xmlns="" id="{87AA867D-A2BD-4E24-98B1-D6440FB44316}"/>
+                <a16:creationId xmlns="" xmlns:a16="http://schemas.microsoft.com/office/drawing/2014/main" id="{87AA867D-A2BD-4E24-98B1-D6440FB44316}"/>
               </a:ext>
             </a:extLst>
           </p:cNvPr>
@@ -2709,7 +2709,7 @@
           <p:cNvPr id="7" name="灯片编号占位符 6">
             <a:extLst>
               <a:ext uri="{FF2B5EF4-FFF2-40B4-BE49-F238E27FC236}">
-                <a16:creationId xmlns:a16="http://schemas.microsoft.com/office/drawing/2014/main" xmlns="" id="{44B785CA-DFE5-4ED7-ABC0-55168CB025F9}"/>
+                <a16:creationId xmlns="" xmlns:a16="http://schemas.microsoft.com/office/drawing/2014/main" id="{44B785CA-DFE5-4ED7-ABC0-55168CB025F9}"/>
               </a:ext>
             </a:extLst>
           </p:cNvPr>
@@ -2768,7 +2768,7 @@
           <p:cNvPr id="2" name="标题 1">
             <a:extLst>
               <a:ext uri="{FF2B5EF4-FFF2-40B4-BE49-F238E27FC236}">
-                <a16:creationId xmlns:a16="http://schemas.microsoft.com/office/drawing/2014/main" xmlns="" id="{E3070924-FCF1-4430-A9E8-6A1BCEA4DC77}"/>
+                <a16:creationId xmlns="" xmlns:a16="http://schemas.microsoft.com/office/drawing/2014/main" id="{E3070924-FCF1-4430-A9E8-6A1BCEA4DC77}"/>
               </a:ext>
             </a:extLst>
           </p:cNvPr>
@@ -2801,7 +2801,7 @@
           <p:cNvPr id="3" name="文本占位符 2">
             <a:extLst>
               <a:ext uri="{FF2B5EF4-FFF2-40B4-BE49-F238E27FC236}">
-                <a16:creationId xmlns:a16="http://schemas.microsoft.com/office/drawing/2014/main" xmlns="" id="{8A63EC85-3D9F-4B0C-A73D-E275ADAE88EF}"/>
+                <a16:creationId xmlns="" xmlns:a16="http://schemas.microsoft.com/office/drawing/2014/main" id="{8A63EC85-3D9F-4B0C-A73D-E275ADAE88EF}"/>
               </a:ext>
             </a:extLst>
           </p:cNvPr>
@@ -2872,7 +2872,7 @@
           <p:cNvPr id="4" name="内容占位符 3">
             <a:extLst>
               <a:ext uri="{FF2B5EF4-FFF2-40B4-BE49-F238E27FC236}">
-                <a16:creationId xmlns:a16="http://schemas.microsoft.com/office/drawing/2014/main" xmlns="" id="{D80B6377-38E7-4219-A223-722E006F9D13}"/>
+                <a16:creationId xmlns="" xmlns:a16="http://schemas.microsoft.com/office/drawing/2014/main" id="{D80B6377-38E7-4219-A223-722E006F9D13}"/>
               </a:ext>
             </a:extLst>
           </p:cNvPr>
@@ -2934,7 +2934,7 @@
           <p:cNvPr id="5" name="文本占位符 4">
             <a:extLst>
               <a:ext uri="{FF2B5EF4-FFF2-40B4-BE49-F238E27FC236}">
-                <a16:creationId xmlns:a16="http://schemas.microsoft.com/office/drawing/2014/main" xmlns="" id="{6E112E31-BD84-406D-A73B-0FC5DABED2DC}"/>
+                <a16:creationId xmlns="" xmlns:a16="http://schemas.microsoft.com/office/drawing/2014/main" id="{6E112E31-BD84-406D-A73B-0FC5DABED2DC}"/>
               </a:ext>
             </a:extLst>
           </p:cNvPr>
@@ -3005,7 +3005,7 @@
           <p:cNvPr id="6" name="内容占位符 5">
             <a:extLst>
               <a:ext uri="{FF2B5EF4-FFF2-40B4-BE49-F238E27FC236}">
-                <a16:creationId xmlns:a16="http://schemas.microsoft.com/office/drawing/2014/main" xmlns="" id="{6A488437-553D-46AD-B887-3019550A0193}"/>
+                <a16:creationId xmlns="" xmlns:a16="http://schemas.microsoft.com/office/drawing/2014/main" id="{6A488437-553D-46AD-B887-3019550A0193}"/>
               </a:ext>
             </a:extLst>
           </p:cNvPr>
@@ -3067,7 +3067,7 @@
           <p:cNvPr id="7" name="日期占位符 6">
             <a:extLst>
               <a:ext uri="{FF2B5EF4-FFF2-40B4-BE49-F238E27FC236}">
-                <a16:creationId xmlns:a16="http://schemas.microsoft.com/office/drawing/2014/main" xmlns="" id="{79DCE9C0-51CE-445D-8208-08E4DC654B5F}"/>
+                <a16:creationId xmlns="" xmlns:a16="http://schemas.microsoft.com/office/drawing/2014/main" id="{79DCE9C0-51CE-445D-8208-08E4DC654B5F}"/>
               </a:ext>
             </a:extLst>
           </p:cNvPr>
@@ -3085,7 +3085,7 @@
           <a:p>
             <a:fld id="{A331BB1A-BD65-48FB-939A-7E246D51B2D8}" type="datetimeFigureOut">
               <a:rPr lang="zh-CN" altLang="en-US" smtClean="0"/>
-              <a:t>2018/7/11</a:t>
+              <a:t>2018/8/7</a:t>
             </a:fld>
             <a:endParaRPr lang="zh-CN" altLang="en-US"/>
           </a:p>
@@ -3096,7 +3096,7 @@
           <p:cNvPr id="8" name="页脚占位符 7">
             <a:extLst>
               <a:ext uri="{FF2B5EF4-FFF2-40B4-BE49-F238E27FC236}">
-                <a16:creationId xmlns:a16="http://schemas.microsoft.com/office/drawing/2014/main" xmlns="" id="{48FCA315-CB84-4AAE-898A-4D2AB02B690D}"/>
+                <a16:creationId xmlns="" xmlns:a16="http://schemas.microsoft.com/office/drawing/2014/main" id="{48FCA315-CB84-4AAE-898A-4D2AB02B690D}"/>
               </a:ext>
             </a:extLst>
           </p:cNvPr>
@@ -3121,7 +3121,7 @@
           <p:cNvPr id="9" name="灯片编号占位符 8">
             <a:extLst>
               <a:ext uri="{FF2B5EF4-FFF2-40B4-BE49-F238E27FC236}">
-                <a16:creationId xmlns:a16="http://schemas.microsoft.com/office/drawing/2014/main" xmlns="" id="{1337EA00-02F7-4575-A654-13D654AA5C04}"/>
+                <a16:creationId xmlns="" xmlns:a16="http://schemas.microsoft.com/office/drawing/2014/main" id="{1337EA00-02F7-4575-A654-13D654AA5C04}"/>
               </a:ext>
             </a:extLst>
           </p:cNvPr>
@@ -3180,7 +3180,7 @@
           <p:cNvPr id="2" name="标题 1">
             <a:extLst>
               <a:ext uri="{FF2B5EF4-FFF2-40B4-BE49-F238E27FC236}">
-                <a16:creationId xmlns:a16="http://schemas.microsoft.com/office/drawing/2014/main" xmlns="" id="{FEC4A1A1-56D2-4D97-861A-EF3EE052EAB4}"/>
+                <a16:creationId xmlns="" xmlns:a16="http://schemas.microsoft.com/office/drawing/2014/main" id="{FEC4A1A1-56D2-4D97-861A-EF3EE052EAB4}"/>
               </a:ext>
             </a:extLst>
           </p:cNvPr>
@@ -3208,7 +3208,7 @@
           <p:cNvPr id="3" name="日期占位符 2">
             <a:extLst>
               <a:ext uri="{FF2B5EF4-FFF2-40B4-BE49-F238E27FC236}">
-                <a16:creationId xmlns:a16="http://schemas.microsoft.com/office/drawing/2014/main" xmlns="" id="{B2155882-2325-48F4-9861-AD15B1443321}"/>
+                <a16:creationId xmlns="" xmlns:a16="http://schemas.microsoft.com/office/drawing/2014/main" id="{B2155882-2325-48F4-9861-AD15B1443321}"/>
               </a:ext>
             </a:extLst>
           </p:cNvPr>
@@ -3226,7 +3226,7 @@
           <a:p>
             <a:fld id="{A331BB1A-BD65-48FB-939A-7E246D51B2D8}" type="datetimeFigureOut">
               <a:rPr lang="zh-CN" altLang="en-US" smtClean="0"/>
-              <a:t>2018/7/11</a:t>
+              <a:t>2018/8/7</a:t>
             </a:fld>
             <a:endParaRPr lang="zh-CN" altLang="en-US"/>
           </a:p>
@@ -3237,7 +3237,7 @@
           <p:cNvPr id="4" name="页脚占位符 3">
             <a:extLst>
               <a:ext uri="{FF2B5EF4-FFF2-40B4-BE49-F238E27FC236}">
-                <a16:creationId xmlns:a16="http://schemas.microsoft.com/office/drawing/2014/main" xmlns="" id="{53C2C771-E733-4370-B149-AF5D5536EDD1}"/>
+                <a16:creationId xmlns="" xmlns:a16="http://schemas.microsoft.com/office/drawing/2014/main" id="{53C2C771-E733-4370-B149-AF5D5536EDD1}"/>
               </a:ext>
             </a:extLst>
           </p:cNvPr>
@@ -3262,7 +3262,7 @@
           <p:cNvPr id="5" name="灯片编号占位符 4">
             <a:extLst>
               <a:ext uri="{FF2B5EF4-FFF2-40B4-BE49-F238E27FC236}">
-                <a16:creationId xmlns:a16="http://schemas.microsoft.com/office/drawing/2014/main" xmlns="" id="{D27B130E-8F7D-4556-90FB-5A70DAC773EE}"/>
+                <a16:creationId xmlns="" xmlns:a16="http://schemas.microsoft.com/office/drawing/2014/main" id="{D27B130E-8F7D-4556-90FB-5A70DAC773EE}"/>
               </a:ext>
             </a:extLst>
           </p:cNvPr>
@@ -3321,7 +3321,7 @@
           <p:cNvPr id="2" name="日期占位符 1">
             <a:extLst>
               <a:ext uri="{FF2B5EF4-FFF2-40B4-BE49-F238E27FC236}">
-                <a16:creationId xmlns:a16="http://schemas.microsoft.com/office/drawing/2014/main" xmlns="" id="{5D9D87AB-4312-43D5-AC98-DFFAD9596564}"/>
+                <a16:creationId xmlns="" xmlns:a16="http://schemas.microsoft.com/office/drawing/2014/main" id="{5D9D87AB-4312-43D5-AC98-DFFAD9596564}"/>
               </a:ext>
             </a:extLst>
           </p:cNvPr>
@@ -3339,7 +3339,7 @@
           <a:p>
             <a:fld id="{A331BB1A-BD65-48FB-939A-7E246D51B2D8}" type="datetimeFigureOut">
               <a:rPr lang="zh-CN" altLang="en-US" smtClean="0"/>
-              <a:t>2018/7/11</a:t>
+              <a:t>2018/8/7</a:t>
             </a:fld>
             <a:endParaRPr lang="zh-CN" altLang="en-US"/>
           </a:p>
@@ -3350,7 +3350,7 @@
           <p:cNvPr id="3" name="页脚占位符 2">
             <a:extLst>
               <a:ext uri="{FF2B5EF4-FFF2-40B4-BE49-F238E27FC236}">
-                <a16:creationId xmlns:a16="http://schemas.microsoft.com/office/drawing/2014/main" xmlns="" id="{BD030FDD-314D-4BF3-861F-6E6C85535BD2}"/>
+                <a16:creationId xmlns="" xmlns:a16="http://schemas.microsoft.com/office/drawing/2014/main" id="{BD030FDD-314D-4BF3-861F-6E6C85535BD2}"/>
               </a:ext>
             </a:extLst>
           </p:cNvPr>
@@ -3375,7 +3375,7 @@
           <p:cNvPr id="4" name="灯片编号占位符 3">
             <a:extLst>
               <a:ext uri="{FF2B5EF4-FFF2-40B4-BE49-F238E27FC236}">
-                <a16:creationId xmlns:a16="http://schemas.microsoft.com/office/drawing/2014/main" xmlns="" id="{8437EA6D-3FE9-4B17-BE75-A6B9987CB7D9}"/>
+                <a16:creationId xmlns="" xmlns:a16="http://schemas.microsoft.com/office/drawing/2014/main" id="{8437EA6D-3FE9-4B17-BE75-A6B9987CB7D9}"/>
               </a:ext>
             </a:extLst>
           </p:cNvPr>
@@ -3434,7 +3434,7 @@
           <p:cNvPr id="2" name="标题 1">
             <a:extLst>
               <a:ext uri="{FF2B5EF4-FFF2-40B4-BE49-F238E27FC236}">
-                <a16:creationId xmlns:a16="http://schemas.microsoft.com/office/drawing/2014/main" xmlns="" id="{C7BF5714-0E83-4B93-B300-2CD1D72201EC}"/>
+                <a16:creationId xmlns="" xmlns:a16="http://schemas.microsoft.com/office/drawing/2014/main" id="{C7BF5714-0E83-4B93-B300-2CD1D72201EC}"/>
               </a:ext>
             </a:extLst>
           </p:cNvPr>
@@ -3471,7 +3471,7 @@
           <p:cNvPr id="3" name="内容占位符 2">
             <a:extLst>
               <a:ext uri="{FF2B5EF4-FFF2-40B4-BE49-F238E27FC236}">
-                <a16:creationId xmlns:a16="http://schemas.microsoft.com/office/drawing/2014/main" xmlns="" id="{15C87E35-D09D-4B7C-B1DE-41102E82D29B}"/>
+                <a16:creationId xmlns="" xmlns:a16="http://schemas.microsoft.com/office/drawing/2014/main" id="{15C87E35-D09D-4B7C-B1DE-41102E82D29B}"/>
               </a:ext>
             </a:extLst>
           </p:cNvPr>
@@ -3561,7 +3561,7 @@
           <p:cNvPr id="4" name="文本占位符 3">
             <a:extLst>
               <a:ext uri="{FF2B5EF4-FFF2-40B4-BE49-F238E27FC236}">
-                <a16:creationId xmlns:a16="http://schemas.microsoft.com/office/drawing/2014/main" xmlns="" id="{FADEEC18-6503-4F8D-BCC7-438ED0184B11}"/>
+                <a16:creationId xmlns="" xmlns:a16="http://schemas.microsoft.com/office/drawing/2014/main" id="{FADEEC18-6503-4F8D-BCC7-438ED0184B11}"/>
               </a:ext>
             </a:extLst>
           </p:cNvPr>
@@ -3632,7 +3632,7 @@
           <p:cNvPr id="5" name="日期占位符 4">
             <a:extLst>
               <a:ext uri="{FF2B5EF4-FFF2-40B4-BE49-F238E27FC236}">
-                <a16:creationId xmlns:a16="http://schemas.microsoft.com/office/drawing/2014/main" xmlns="" id="{A169FF01-5AFC-4A0C-9A5D-E1E71726FBFC}"/>
+                <a16:creationId xmlns="" xmlns:a16="http://schemas.microsoft.com/office/drawing/2014/main" id="{A169FF01-5AFC-4A0C-9A5D-E1E71726FBFC}"/>
               </a:ext>
             </a:extLst>
           </p:cNvPr>
@@ -3650,7 +3650,7 @@
           <a:p>
             <a:fld id="{A331BB1A-BD65-48FB-939A-7E246D51B2D8}" type="datetimeFigureOut">
               <a:rPr lang="zh-CN" altLang="en-US" smtClean="0"/>
-              <a:t>2018/7/11</a:t>
+              <a:t>2018/8/7</a:t>
             </a:fld>
             <a:endParaRPr lang="zh-CN" altLang="en-US"/>
           </a:p>
@@ -3661,7 +3661,7 @@
           <p:cNvPr id="6" name="页脚占位符 5">
             <a:extLst>
               <a:ext uri="{FF2B5EF4-FFF2-40B4-BE49-F238E27FC236}">
-                <a16:creationId xmlns:a16="http://schemas.microsoft.com/office/drawing/2014/main" xmlns="" id="{0E673728-6F35-453A-A094-0AFFF102A435}"/>
+                <a16:creationId xmlns="" xmlns:a16="http://schemas.microsoft.com/office/drawing/2014/main" id="{0E673728-6F35-453A-A094-0AFFF102A435}"/>
               </a:ext>
             </a:extLst>
           </p:cNvPr>
@@ -3686,7 +3686,7 @@
           <p:cNvPr id="7" name="灯片编号占位符 6">
             <a:extLst>
               <a:ext uri="{FF2B5EF4-FFF2-40B4-BE49-F238E27FC236}">
-                <a16:creationId xmlns:a16="http://schemas.microsoft.com/office/drawing/2014/main" xmlns="" id="{FF01F217-F72F-446A-9A12-E898B576B132}"/>
+                <a16:creationId xmlns="" xmlns:a16="http://schemas.microsoft.com/office/drawing/2014/main" id="{FF01F217-F72F-446A-9A12-E898B576B132}"/>
               </a:ext>
             </a:extLst>
           </p:cNvPr>
@@ -3745,7 +3745,7 @@
           <p:cNvPr id="2" name="标题 1">
             <a:extLst>
               <a:ext uri="{FF2B5EF4-FFF2-40B4-BE49-F238E27FC236}">
-                <a16:creationId xmlns:a16="http://schemas.microsoft.com/office/drawing/2014/main" xmlns="" id="{F4376CBF-E2C3-4869-A593-0F6D02148BA7}"/>
+                <a16:creationId xmlns="" xmlns:a16="http://schemas.microsoft.com/office/drawing/2014/main" id="{F4376CBF-E2C3-4869-A593-0F6D02148BA7}"/>
               </a:ext>
             </a:extLst>
           </p:cNvPr>
@@ -3782,7 +3782,7 @@
           <p:cNvPr id="3" name="图片占位符 2">
             <a:extLst>
               <a:ext uri="{FF2B5EF4-FFF2-40B4-BE49-F238E27FC236}">
-                <a16:creationId xmlns:a16="http://schemas.microsoft.com/office/drawing/2014/main" xmlns="" id="{D8C48A36-90C3-4128-850B-6CDCB62BD50B}"/>
+                <a16:creationId xmlns="" xmlns:a16="http://schemas.microsoft.com/office/drawing/2014/main" id="{D8C48A36-90C3-4128-850B-6CDCB62BD50B}"/>
               </a:ext>
             </a:extLst>
           </p:cNvPr>
@@ -3849,7 +3849,7 @@
           <p:cNvPr id="4" name="文本占位符 3">
             <a:extLst>
               <a:ext uri="{FF2B5EF4-FFF2-40B4-BE49-F238E27FC236}">
-                <a16:creationId xmlns:a16="http://schemas.microsoft.com/office/drawing/2014/main" xmlns="" id="{3CA8776D-7555-4BD2-982D-F917A2D16F17}"/>
+                <a16:creationId xmlns="" xmlns:a16="http://schemas.microsoft.com/office/drawing/2014/main" id="{3CA8776D-7555-4BD2-982D-F917A2D16F17}"/>
               </a:ext>
             </a:extLst>
           </p:cNvPr>
@@ -3920,7 +3920,7 @@
           <p:cNvPr id="5" name="日期占位符 4">
             <a:extLst>
               <a:ext uri="{FF2B5EF4-FFF2-40B4-BE49-F238E27FC236}">
-                <a16:creationId xmlns:a16="http://schemas.microsoft.com/office/drawing/2014/main" xmlns="" id="{A03F3FD2-AC86-4E7B-9FC2-59ADCB2D2C4D}"/>
+                <a16:creationId xmlns="" xmlns:a16="http://schemas.microsoft.com/office/drawing/2014/main" id="{A03F3FD2-AC86-4E7B-9FC2-59ADCB2D2C4D}"/>
               </a:ext>
             </a:extLst>
           </p:cNvPr>
@@ -3938,7 +3938,7 @@
           <a:p>
             <a:fld id="{A331BB1A-BD65-48FB-939A-7E246D51B2D8}" type="datetimeFigureOut">
               <a:rPr lang="zh-CN" altLang="en-US" smtClean="0"/>
-              <a:t>2018/7/11</a:t>
+              <a:t>2018/8/7</a:t>
             </a:fld>
             <a:endParaRPr lang="zh-CN" altLang="en-US"/>
           </a:p>
@@ -3949,7 +3949,7 @@
           <p:cNvPr id="6" name="页脚占位符 5">
             <a:extLst>
               <a:ext uri="{FF2B5EF4-FFF2-40B4-BE49-F238E27FC236}">
-                <a16:creationId xmlns:a16="http://schemas.microsoft.com/office/drawing/2014/main" xmlns="" id="{1B82FA8B-3E08-472D-8450-B20A311713FB}"/>
+                <a16:creationId xmlns="" xmlns:a16="http://schemas.microsoft.com/office/drawing/2014/main" id="{1B82FA8B-3E08-472D-8450-B20A311713FB}"/>
               </a:ext>
             </a:extLst>
           </p:cNvPr>
@@ -3974,7 +3974,7 @@
           <p:cNvPr id="7" name="灯片编号占位符 6">
             <a:extLst>
               <a:ext uri="{FF2B5EF4-FFF2-40B4-BE49-F238E27FC236}">
-                <a16:creationId xmlns:a16="http://schemas.microsoft.com/office/drawing/2014/main" xmlns="" id="{C2D8EE38-9146-48A2-A418-B1F39D7A02B5}"/>
+                <a16:creationId xmlns="" xmlns:a16="http://schemas.microsoft.com/office/drawing/2014/main" id="{C2D8EE38-9146-48A2-A418-B1F39D7A02B5}"/>
               </a:ext>
             </a:extLst>
           </p:cNvPr>
@@ -4038,7 +4038,7 @@
           <p:cNvPr id="2" name="标题占位符 1">
             <a:extLst>
               <a:ext uri="{FF2B5EF4-FFF2-40B4-BE49-F238E27FC236}">
-                <a16:creationId xmlns:a16="http://schemas.microsoft.com/office/drawing/2014/main" xmlns="" id="{D465806D-994D-4E77-A97A-B8EA412529C8}"/>
+                <a16:creationId xmlns="" xmlns:a16="http://schemas.microsoft.com/office/drawing/2014/main" id="{D465806D-994D-4E77-A97A-B8EA412529C8}"/>
               </a:ext>
             </a:extLst>
           </p:cNvPr>
@@ -4076,7 +4076,7 @@
           <p:cNvPr id="3" name="文本占位符 2">
             <a:extLst>
               <a:ext uri="{FF2B5EF4-FFF2-40B4-BE49-F238E27FC236}">
-                <a16:creationId xmlns:a16="http://schemas.microsoft.com/office/drawing/2014/main" xmlns="" id="{661D7D4E-41A5-4712-ABFF-D60BC558559C}"/>
+                <a16:creationId xmlns="" xmlns:a16="http://schemas.microsoft.com/office/drawing/2014/main" id="{661D7D4E-41A5-4712-ABFF-D60BC558559C}"/>
               </a:ext>
             </a:extLst>
           </p:cNvPr>
@@ -4143,7 +4143,7 @@
           <p:cNvPr id="4" name="日期占位符 3">
             <a:extLst>
               <a:ext uri="{FF2B5EF4-FFF2-40B4-BE49-F238E27FC236}">
-                <a16:creationId xmlns:a16="http://schemas.microsoft.com/office/drawing/2014/main" xmlns="" id="{FAD7D179-D0DF-4EE1-9943-CEED1E9A531A}"/>
+                <a16:creationId xmlns="" xmlns:a16="http://schemas.microsoft.com/office/drawing/2014/main" id="{FAD7D179-D0DF-4EE1-9943-CEED1E9A531A}"/>
               </a:ext>
             </a:extLst>
           </p:cNvPr>
@@ -4179,7 +4179,7 @@
           <a:p>
             <a:fld id="{A331BB1A-BD65-48FB-939A-7E246D51B2D8}" type="datetimeFigureOut">
               <a:rPr lang="zh-CN" altLang="en-US" smtClean="0"/>
-              <a:t>2018/7/11</a:t>
+              <a:t>2018/8/7</a:t>
             </a:fld>
             <a:endParaRPr lang="zh-CN" altLang="en-US"/>
           </a:p>
@@ -4190,7 +4190,7 @@
           <p:cNvPr id="5" name="页脚占位符 4">
             <a:extLst>
               <a:ext uri="{FF2B5EF4-FFF2-40B4-BE49-F238E27FC236}">
-                <a16:creationId xmlns:a16="http://schemas.microsoft.com/office/drawing/2014/main" xmlns="" id="{6FBC58DF-0319-472A-8835-C625543C4074}"/>
+                <a16:creationId xmlns="" xmlns:a16="http://schemas.microsoft.com/office/drawing/2014/main" id="{6FBC58DF-0319-472A-8835-C625543C4074}"/>
               </a:ext>
             </a:extLst>
           </p:cNvPr>
@@ -4233,7 +4233,7 @@
           <p:cNvPr id="6" name="灯片编号占位符 5">
             <a:extLst>
               <a:ext uri="{FF2B5EF4-FFF2-40B4-BE49-F238E27FC236}">
-                <a16:creationId xmlns:a16="http://schemas.microsoft.com/office/drawing/2014/main" xmlns="" id="{AEC9C17F-2ADD-47BC-A60A-83A62657208B}"/>
+                <a16:creationId xmlns="" xmlns:a16="http://schemas.microsoft.com/office/drawing/2014/main" id="{AEC9C17F-2ADD-47BC-A60A-83A62657208B}"/>
               </a:ext>
             </a:extLst>
           </p:cNvPr>
@@ -4280,7 +4280,7 @@
           <p:cNvPr id="7" name="图片 6">
             <a:extLst>
               <a:ext uri="{FF2B5EF4-FFF2-40B4-BE49-F238E27FC236}">
-                <a16:creationId xmlns:a16="http://schemas.microsoft.com/office/drawing/2014/main" xmlns="" id="{0EC34E01-94EA-4EE8-9FBE-E43FD163AF4F}"/>
+                <a16:creationId xmlns="" xmlns:a16="http://schemas.microsoft.com/office/drawing/2014/main" id="{0EC34E01-94EA-4EE8-9FBE-E43FD163AF4F}"/>
               </a:ext>
             </a:extLst>
           </p:cNvPr>
@@ -4323,7 +4323,7 @@
           <p:cNvPr id="8" name="直接连接符 7">
             <a:extLst>
               <a:ext uri="{FF2B5EF4-FFF2-40B4-BE49-F238E27FC236}">
-                <a16:creationId xmlns:a16="http://schemas.microsoft.com/office/drawing/2014/main" xmlns="" id="{5CCC3BCB-263D-4BCB-AF99-9D9AC417ABEA}"/>
+                <a16:creationId xmlns="" xmlns:a16="http://schemas.microsoft.com/office/drawing/2014/main" id="{5CCC3BCB-263D-4BCB-AF99-9D9AC417ABEA}"/>
               </a:ext>
             </a:extLst>
           </p:cNvPr>
@@ -4711,7 +4711,7 @@
           <p:cNvPr id="12" name="Rectangle 4">
             <a:extLst>
               <a:ext uri="{FF2B5EF4-FFF2-40B4-BE49-F238E27FC236}">
-                <a16:creationId xmlns:a16="http://schemas.microsoft.com/office/drawing/2014/main" xmlns="" id="{F186014F-E0AA-443E-B258-893722E1F542}"/>
+                <a16:creationId xmlns="" xmlns:a16="http://schemas.microsoft.com/office/drawing/2014/main" id="{F186014F-E0AA-443E-B258-893722E1F542}"/>
               </a:ext>
             </a:extLst>
           </p:cNvPr>
@@ -5249,7 +5249,7 @@
           <p:cNvPr id="30" name="Rectangle 4">
             <a:extLst>
               <a:ext uri="{FF2B5EF4-FFF2-40B4-BE49-F238E27FC236}">
-                <a16:creationId xmlns:a16="http://schemas.microsoft.com/office/drawing/2014/main" xmlns="" id="{52FE7877-B31C-4391-9F18-1EE8CB8AE500}"/>
+                <a16:creationId xmlns="" xmlns:a16="http://schemas.microsoft.com/office/drawing/2014/main" id="{52FE7877-B31C-4391-9F18-1EE8CB8AE500}"/>
               </a:ext>
             </a:extLst>
           </p:cNvPr>
@@ -5783,7 +5783,7 @@
           <p:cNvPr id="30" name="Rectangle 4">
             <a:extLst>
               <a:ext uri="{FF2B5EF4-FFF2-40B4-BE49-F238E27FC236}">
-                <a16:creationId xmlns:a16="http://schemas.microsoft.com/office/drawing/2014/main" xmlns="" id="{52FE7877-B31C-4391-9F18-1EE8CB8AE500}"/>
+                <a16:creationId xmlns="" xmlns:a16="http://schemas.microsoft.com/office/drawing/2014/main" id="{52FE7877-B31C-4391-9F18-1EE8CB8AE500}"/>
               </a:ext>
             </a:extLst>
           </p:cNvPr>
@@ -5920,96 +5920,6 @@
           </a:prstGeom>
         </p:spPr>
       </p:pic>
-      <p:pic>
-        <p:nvPicPr>
-          <p:cNvPr id="18" name="图片 17"/>
-          <p:cNvPicPr>
-            <a:picLocks noChangeAspect="1"/>
-          </p:cNvPicPr>
-          <p:nvPr/>
-        </p:nvPicPr>
-        <p:blipFill>
-          <a:blip r:embed="rId4" cstate="print">
-            <a:extLst>
-              <a:ext uri="{28A0092B-C50C-407E-A947-70E740481C1C}">
-                <a14:useLocalDpi xmlns:a14="http://schemas.microsoft.com/office/drawing/2010/main" val="0"/>
-              </a:ext>
-            </a:extLst>
-          </a:blip>
-          <a:stretch>
-            <a:fillRect/>
-          </a:stretch>
-        </p:blipFill>
-        <p:spPr>
-          <a:xfrm>
-            <a:off x="1844546" y="2029781"/>
-            <a:ext cx="5253556" cy="2008197"/>
-          </a:xfrm>
-          <a:prstGeom prst="rect">
-            <a:avLst/>
-          </a:prstGeom>
-        </p:spPr>
-      </p:pic>
-      <p:pic>
-        <p:nvPicPr>
-          <p:cNvPr id="19" name="图片 18"/>
-          <p:cNvPicPr>
-            <a:picLocks noChangeAspect="1"/>
-          </p:cNvPicPr>
-          <p:nvPr/>
-        </p:nvPicPr>
-        <p:blipFill>
-          <a:blip r:embed="rId3" cstate="print">
-            <a:extLst>
-              <a:ext uri="{28A0092B-C50C-407E-A947-70E740481C1C}">
-                <a14:useLocalDpi xmlns:a14="http://schemas.microsoft.com/office/drawing/2010/main" val="0"/>
-              </a:ext>
-            </a:extLst>
-          </a:blip>
-          <a:stretch>
-            <a:fillRect/>
-          </a:stretch>
-        </p:blipFill>
-        <p:spPr>
-          <a:xfrm>
-            <a:off x="1052458" y="3404850"/>
-            <a:ext cx="5257494" cy="2003021"/>
-          </a:xfrm>
-          <a:prstGeom prst="rect">
-            <a:avLst/>
-          </a:prstGeom>
-        </p:spPr>
-      </p:pic>
-      <p:pic>
-        <p:nvPicPr>
-          <p:cNvPr id="20" name="图片 19"/>
-          <p:cNvPicPr>
-            <a:picLocks noChangeAspect="1"/>
-          </p:cNvPicPr>
-          <p:nvPr/>
-        </p:nvPicPr>
-        <p:blipFill>
-          <a:blip r:embed="rId4" cstate="print">
-            <a:extLst>
-              <a:ext uri="{28A0092B-C50C-407E-A947-70E740481C1C}">
-                <a14:useLocalDpi xmlns:a14="http://schemas.microsoft.com/office/drawing/2010/main" val="0"/>
-              </a:ext>
-            </a:extLst>
-          </a:blip>
-          <a:stretch>
-            <a:fillRect/>
-          </a:stretch>
-        </p:blipFill>
-        <p:spPr>
-          <a:xfrm>
-            <a:off x="41853" y="4781029"/>
-            <a:ext cx="5253556" cy="2008197"/>
-          </a:xfrm>
-          <a:prstGeom prst="rect">
-            <a:avLst/>
-          </a:prstGeom>
-        </p:spPr>
-      </p:pic>
       <p:sp>
         <p:nvSpPr>
           <p:cNvPr id="25" name="TextBox 24"/>
@@ -6073,7 +5983,7 @@
           <p:cNvPr id="30" name="Rectangle 4">
             <a:extLst>
               <a:ext uri="{FF2B5EF4-FFF2-40B4-BE49-F238E27FC236}">
-                <a16:creationId xmlns:a16="http://schemas.microsoft.com/office/drawing/2014/main" xmlns="" id="{52FE7877-B31C-4391-9F18-1EE8CB8AE500}"/>
+                <a16:creationId xmlns="" xmlns:a16="http://schemas.microsoft.com/office/drawing/2014/main" id="{52FE7877-B31C-4391-9F18-1EE8CB8AE500}"/>
               </a:ext>
             </a:extLst>
           </p:cNvPr>
@@ -6180,6 +6090,234 @@
           <a:chExt cx="0" cy="0"/>
         </a:xfrm>
       </p:grpSpPr>
+      <p:pic>
+        <p:nvPicPr>
+          <p:cNvPr id="1026" name="Picture 2" descr="D:\大学化学封面与封底 201808.JPG"/>
+          <p:cNvPicPr>
+            <a:picLocks noChangeAspect="1" noChangeArrowheads="1"/>
+          </p:cNvPicPr>
+          <p:nvPr/>
+        </p:nvPicPr>
+        <p:blipFill>
+          <a:blip r:embed="rId2" cstate="print">
+            <a:extLst>
+              <a:ext uri="{28A0092B-C50C-407E-A947-70E740481C1C}">
+                <a14:useLocalDpi xmlns:a14="http://schemas.microsoft.com/office/drawing/2010/main" val="0"/>
+              </a:ext>
+            </a:extLst>
+          </a:blip>
+          <a:srcRect/>
+          <a:stretch>
+            <a:fillRect/>
+          </a:stretch>
+        </p:blipFill>
+        <p:spPr bwMode="auto">
+          <a:xfrm>
+            <a:off x="2451413" y="1930790"/>
+            <a:ext cx="6741971" cy="4575288"/>
+          </a:xfrm>
+          <a:prstGeom prst="rect">
+            <a:avLst/>
+          </a:prstGeom>
+          <a:noFill/>
+          <a:extLst>
+            <a:ext uri="{909E8E84-426E-40DD-AFC4-6F175D3DCCD1}">
+              <a14:hiddenFill xmlns:a14="http://schemas.microsoft.com/office/drawing/2010/main">
+                <a:solidFill>
+                  <a:srgbClr val="FFFFFF"/>
+                </a:solidFill>
+              </a14:hiddenFill>
+            </a:ext>
+          </a:extLst>
+        </p:spPr>
+      </p:pic>
+      <p:sp>
+        <p:nvSpPr>
+          <p:cNvPr id="2" name="矩形 1"/>
+          <p:cNvSpPr/>
+          <p:nvPr/>
+        </p:nvSpPr>
+        <p:spPr>
+          <a:xfrm>
+            <a:off x="2875778" y="114590"/>
+            <a:ext cx="4338047" cy="523220"/>
+          </a:xfrm>
+          <a:prstGeom prst="rect">
+            <a:avLst/>
+          </a:prstGeom>
+        </p:spPr>
+        <p:txBody>
+          <a:bodyPr wrap="none">
+            <a:spAutoFit/>
+          </a:bodyPr>
+          <a:lstStyle/>
+          <a:p>
+            <a:pPr lvl="0" algn="ctr"/>
+            <a:r>
+              <a:rPr lang="zh-CN" altLang="en-US" sz="2800" b="1" dirty="0" smtClean="0">
+                <a:solidFill>
+                  <a:srgbClr val="000000"/>
+                </a:solidFill>
+                <a:latin typeface="楷体" pitchFamily="49" charset="-122"/>
+                <a:ea typeface="楷体" pitchFamily="49" charset="-122"/>
+                <a:cs typeface="Arial" pitchFamily="34" charset="0"/>
+              </a:rPr>
+              <a:t>本 课 程 使 用 的 教 材</a:t>
+            </a:r>
+            <a:endParaRPr lang="zh-CN" altLang="zh-CN" sz="2800" b="1" dirty="0">
+              <a:solidFill>
+                <a:srgbClr val="000000"/>
+              </a:solidFill>
+              <a:latin typeface="楷体" pitchFamily="49" charset="-122"/>
+              <a:ea typeface="楷体" pitchFamily="49" charset="-122"/>
+              <a:cs typeface="Arial" pitchFamily="34" charset="0"/>
+            </a:endParaRPr>
+          </a:p>
+        </p:txBody>
+      </p:sp>
+      <p:sp>
+        <p:nvSpPr>
+          <p:cNvPr id="3" name="矩形 2"/>
+          <p:cNvSpPr/>
+          <p:nvPr/>
+        </p:nvSpPr>
+        <p:spPr>
+          <a:xfrm>
+            <a:off x="241958" y="827390"/>
+            <a:ext cx="10570522" cy="830997"/>
+          </a:xfrm>
+          <a:prstGeom prst="rect">
+            <a:avLst/>
+          </a:prstGeom>
+        </p:spPr>
+        <p:txBody>
+          <a:bodyPr wrap="none">
+            <a:spAutoFit/>
+          </a:bodyPr>
+          <a:lstStyle/>
+          <a:p>
+            <a:pPr lvl="0" algn="ctr"/>
+            <a:r>
+              <a:rPr lang="zh-CN" altLang="en-US" sz="2400" b="1" dirty="0" smtClean="0">
+                <a:solidFill>
+                  <a:srgbClr val="000000"/>
+                </a:solidFill>
+                <a:latin typeface="楷体" pitchFamily="49" charset="-122"/>
+                <a:ea typeface="楷体" pitchFamily="49" charset="-122"/>
+                <a:cs typeface="Arial" pitchFamily="34" charset="0"/>
+              </a:rPr>
+              <a:t>龚孟濂、乔正平主编，梁宏斌、甘峰、石建新、卢锡洪编著，</a:t>
+            </a:r>
+            <a:endParaRPr lang="en-US" altLang="zh-CN" sz="2400" b="1" dirty="0" smtClean="0">
+              <a:solidFill>
+                <a:srgbClr val="000000"/>
+              </a:solidFill>
+              <a:latin typeface="楷体" pitchFamily="49" charset="-122"/>
+              <a:ea typeface="楷体" pitchFamily="49" charset="-122"/>
+              <a:cs typeface="Arial" pitchFamily="34" charset="0"/>
+            </a:endParaRPr>
+          </a:p>
+          <a:p>
+            <a:pPr lvl="0" algn="ctr"/>
+            <a:r>
+              <a:rPr lang="en-US" altLang="zh-CN" sz="2400" b="1" dirty="0" smtClean="0">
+                <a:solidFill>
+                  <a:srgbClr val="000000"/>
+                </a:solidFill>
+                <a:latin typeface="楷体" pitchFamily="49" charset="-122"/>
+                <a:ea typeface="楷体" pitchFamily="49" charset="-122"/>
+                <a:cs typeface="Arial" pitchFamily="34" charset="0"/>
+              </a:rPr>
+              <a:t>《</a:t>
+            </a:r>
+            <a:r>
+              <a:rPr lang="zh-CN" altLang="en-US" sz="2400" b="1" dirty="0" smtClean="0">
+                <a:solidFill>
+                  <a:srgbClr val="000000"/>
+                </a:solidFill>
+                <a:latin typeface="楷体" pitchFamily="49" charset="-122"/>
+                <a:ea typeface="楷体" pitchFamily="49" charset="-122"/>
+                <a:cs typeface="Arial" pitchFamily="34" charset="0"/>
+              </a:rPr>
+              <a:t>大学化学</a:t>
+            </a:r>
+            <a:r>
+              <a:rPr lang="en-US" altLang="zh-CN" sz="2400" b="1" dirty="0" smtClean="0">
+                <a:solidFill>
+                  <a:srgbClr val="000000"/>
+                </a:solidFill>
+                <a:latin typeface="楷体" pitchFamily="49" charset="-122"/>
+                <a:ea typeface="楷体" pitchFamily="49" charset="-122"/>
+                <a:cs typeface="Arial" pitchFamily="34" charset="0"/>
+              </a:rPr>
+              <a:t>》</a:t>
+            </a:r>
+            <a:r>
+              <a:rPr lang="zh-CN" altLang="en-US" sz="2400" b="1" dirty="0" smtClean="0">
+                <a:solidFill>
+                  <a:srgbClr val="000000"/>
+                </a:solidFill>
+                <a:latin typeface="楷体" pitchFamily="49" charset="-122"/>
+                <a:ea typeface="楷体" pitchFamily="49" charset="-122"/>
+                <a:cs typeface="Arial" pitchFamily="34" charset="0"/>
+              </a:rPr>
+              <a:t>，科学出版社，北京，</a:t>
+            </a:r>
+            <a:r>
+              <a:rPr lang="en-US" altLang="zh-CN" sz="2400" b="1" dirty="0" smtClean="0">
+                <a:solidFill>
+                  <a:srgbClr val="000000"/>
+                </a:solidFill>
+                <a:latin typeface="楷体" pitchFamily="49" charset="-122"/>
+                <a:ea typeface="楷体" pitchFamily="49" charset="-122"/>
+                <a:cs typeface="Arial" pitchFamily="34" charset="0"/>
+              </a:rPr>
+              <a:t>2018</a:t>
+            </a:r>
+            <a:r>
+              <a:rPr lang="zh-CN" altLang="en-US" sz="2400" b="1" smtClean="0">
+                <a:solidFill>
+                  <a:srgbClr val="000000"/>
+                </a:solidFill>
+                <a:latin typeface="楷体" pitchFamily="49" charset="-122"/>
+                <a:ea typeface="楷体" pitchFamily="49" charset="-122"/>
+                <a:cs typeface="Arial" pitchFamily="34" charset="0"/>
+              </a:rPr>
+              <a:t>第一版，</a:t>
+            </a:r>
+            <a:r>
+              <a:rPr lang="en-US" altLang="zh-CN" sz="2400" b="1" smtClean="0">
+                <a:solidFill>
+                  <a:srgbClr val="000000"/>
+                </a:solidFill>
+                <a:latin typeface="楷体" pitchFamily="49" charset="-122"/>
+                <a:ea typeface="楷体" pitchFamily="49" charset="-122"/>
+                <a:cs typeface="Arial" pitchFamily="34" charset="0"/>
+              </a:rPr>
+              <a:t>ISBN </a:t>
+            </a:r>
+            <a:r>
+              <a:rPr lang="en-US" altLang="zh-CN" sz="2400" b="1" dirty="0" smtClean="0">
+                <a:solidFill>
+                  <a:srgbClr val="000000"/>
+                </a:solidFill>
+                <a:latin typeface="楷体" pitchFamily="49" charset="-122"/>
+                <a:ea typeface="楷体" pitchFamily="49" charset="-122"/>
+                <a:cs typeface="Arial" pitchFamily="34" charset="0"/>
+              </a:rPr>
+              <a:t>978-7-03-058317-8.</a:t>
+            </a:r>
+            <a:endParaRPr lang="zh-CN" altLang="zh-CN" sz="2400" b="1" dirty="0">
+              <a:solidFill>
+                <a:srgbClr val="000000"/>
+              </a:solidFill>
+              <a:latin typeface="楷体" pitchFamily="49" charset="-122"/>
+              <a:ea typeface="楷体" pitchFamily="49" charset="-122"/>
+              <a:cs typeface="Arial" pitchFamily="34" charset="0"/>
+            </a:endParaRPr>
+          </a:p>
+        </p:txBody>
+      </p:sp>
     </p:spTree>
     <p:extLst>
       <p:ext uri="{BB962C8B-B14F-4D97-AF65-F5344CB8AC3E}">
@@ -6190,6 +6328,13 @@
   <p:clrMapOvr>
     <a:masterClrMapping/>
   </p:clrMapOvr>
+  <p:timing>
+    <p:tnLst>
+      <p:par>
+        <p:cTn id="1" dur="indefinite" restart="never" nodeType="tmRoot"/>
+      </p:par>
+    </p:tnLst>
+  </p:timing>
 </p:sld>
 </file>
 
@@ -6482,7 +6627,7 @@
   <a:extraClrSchemeLst/>
   <a:extLst>
     <a:ext uri="{05A4C25C-085E-4340-85A3-A5531E510DB2}">
-      <thm15:themeFamily xmlns:thm15="http://schemas.microsoft.com/office/thememl/2012/main" xmlns="" name="Office Theme" id="{62F939B6-93AF-4DB8-9C6B-D6C7DFDC589F}" vid="{4A3C46E8-61CC-4603-A589-7422A47A8E4A}"/>
+      <thm15:themeFamily xmlns="" xmlns:thm15="http://schemas.microsoft.com/office/thememl/2012/main" name="Office Theme" id="{62F939B6-93AF-4DB8-9C6B-D6C7DFDC589F}" vid="{4A3C46E8-61CC-4603-A589-7422A47A8E4A}"/>
     </a:ext>
   </a:extLst>
 </a:theme>
@@ -6777,7 +6922,7 @@
   <a:extraClrSchemeLst/>
   <a:extLst>
     <a:ext uri="{05A4C25C-085E-4340-85A3-A5531E510DB2}">
-      <thm15:themeFamily xmlns:thm15="http://schemas.microsoft.com/office/thememl/2012/main" xmlns="" name="Office Theme" id="{62F939B6-93AF-4DB8-9C6B-D6C7DFDC589F}" vid="{4A3C46E8-61CC-4603-A589-7422A47A8E4A}"/>
+      <thm15:themeFamily xmlns="" xmlns:thm15="http://schemas.microsoft.com/office/thememl/2012/main" name="Office Theme" id="{62F939B6-93AF-4DB8-9C6B-D6C7DFDC589F}" vid="{4A3C46E8-61CC-4603-A589-7422A47A8E4A}"/>
     </a:ext>
   </a:extLst>
 </a:theme>

--- a/20180731ChemUni/resource/教案/0 大学化学电子教案 目录.pptx
+++ b/20180731ChemUni/resource/教案/0 大学化学电子教案 目录.pptx
@@ -113,7 +113,7 @@
   </p:defaultTextStyle>
   <p:extLst>
     <p:ext uri="{EFAFB233-063F-42B5-8137-9DF3F51BA10A}">
-      <p15:sldGuideLst xmlns="" xmlns:p15="http://schemas.microsoft.com/office/powerpoint/2012/main"/>
+      <p15:sldGuideLst xmlns:p15="http://schemas.microsoft.com/office/powerpoint/2012/main" xmlns=""/>
     </p:ext>
   </p:extLst>
 </p:presentation>
@@ -205,7 +205,7 @@
           <a:p>
             <a:fld id="{C8CA58C0-A8A5-4873-9A28-61A27607E70A}" type="datetimeFigureOut">
               <a:rPr lang="zh-CN" altLang="en-US" smtClean="0"/>
-              <a:t>2018/8/7</a:t>
+              <a:t>2018/7/11</a:t>
             </a:fld>
             <a:endParaRPr lang="zh-CN" altLang="en-US"/>
           </a:p>
@@ -1294,7 +1294,7 @@
           <p:cNvPr id="2" name="标题 1">
             <a:extLst>
               <a:ext uri="{FF2B5EF4-FFF2-40B4-BE49-F238E27FC236}">
-                <a16:creationId xmlns="" xmlns:a16="http://schemas.microsoft.com/office/drawing/2014/main" id="{7D705C71-D457-4DBA-98DA-F32047F0A2D5}"/>
+                <a16:creationId xmlns:a16="http://schemas.microsoft.com/office/drawing/2014/main" xmlns="" id="{7D705C71-D457-4DBA-98DA-F32047F0A2D5}"/>
               </a:ext>
             </a:extLst>
           </p:cNvPr>
@@ -1331,7 +1331,7 @@
           <p:cNvPr id="3" name="副标题 2">
             <a:extLst>
               <a:ext uri="{FF2B5EF4-FFF2-40B4-BE49-F238E27FC236}">
-                <a16:creationId xmlns="" xmlns:a16="http://schemas.microsoft.com/office/drawing/2014/main" id="{BEE287E0-D37D-481F-827C-1F3177D33015}"/>
+                <a16:creationId xmlns:a16="http://schemas.microsoft.com/office/drawing/2014/main" xmlns="" id="{BEE287E0-D37D-481F-827C-1F3177D33015}"/>
               </a:ext>
             </a:extLst>
           </p:cNvPr>
@@ -1401,7 +1401,7 @@
           <p:cNvPr id="4" name="日期占位符 3">
             <a:extLst>
               <a:ext uri="{FF2B5EF4-FFF2-40B4-BE49-F238E27FC236}">
-                <a16:creationId xmlns="" xmlns:a16="http://schemas.microsoft.com/office/drawing/2014/main" id="{5D3770B9-2FD5-4BAD-AF02-C89FC713580F}"/>
+                <a16:creationId xmlns:a16="http://schemas.microsoft.com/office/drawing/2014/main" xmlns="" id="{5D3770B9-2FD5-4BAD-AF02-C89FC713580F}"/>
               </a:ext>
             </a:extLst>
           </p:cNvPr>
@@ -1419,7 +1419,7 @@
           <a:p>
             <a:fld id="{A331BB1A-BD65-48FB-939A-7E246D51B2D8}" type="datetimeFigureOut">
               <a:rPr lang="zh-CN" altLang="en-US" smtClean="0"/>
-              <a:t>2018/8/7</a:t>
+              <a:t>2018/7/11</a:t>
             </a:fld>
             <a:endParaRPr lang="zh-CN" altLang="en-US"/>
           </a:p>
@@ -1430,7 +1430,7 @@
           <p:cNvPr id="5" name="页脚占位符 4">
             <a:extLst>
               <a:ext uri="{FF2B5EF4-FFF2-40B4-BE49-F238E27FC236}">
-                <a16:creationId xmlns="" xmlns:a16="http://schemas.microsoft.com/office/drawing/2014/main" id="{D0803810-37A3-45CF-8682-90B3B33BF14C}"/>
+                <a16:creationId xmlns:a16="http://schemas.microsoft.com/office/drawing/2014/main" xmlns="" id="{D0803810-37A3-45CF-8682-90B3B33BF14C}"/>
               </a:ext>
             </a:extLst>
           </p:cNvPr>
@@ -1455,7 +1455,7 @@
           <p:cNvPr id="6" name="灯片编号占位符 5">
             <a:extLst>
               <a:ext uri="{FF2B5EF4-FFF2-40B4-BE49-F238E27FC236}">
-                <a16:creationId xmlns="" xmlns:a16="http://schemas.microsoft.com/office/drawing/2014/main" id="{365AD92B-6365-40D4-8ED5-C152975B8175}"/>
+                <a16:creationId xmlns:a16="http://schemas.microsoft.com/office/drawing/2014/main" xmlns="" id="{365AD92B-6365-40D4-8ED5-C152975B8175}"/>
               </a:ext>
             </a:extLst>
           </p:cNvPr>
@@ -1484,7 +1484,7 @@
           <p:cNvPr id="12" name="图片 11">
             <a:extLst>
               <a:ext uri="{FF2B5EF4-FFF2-40B4-BE49-F238E27FC236}">
-                <a16:creationId xmlns="" xmlns:a16="http://schemas.microsoft.com/office/drawing/2014/main" id="{E93047EF-423B-4BD8-8764-F0F38F567A20}"/>
+                <a16:creationId xmlns:a16="http://schemas.microsoft.com/office/drawing/2014/main" xmlns="" id="{E93047EF-423B-4BD8-8764-F0F38F567A20}"/>
               </a:ext>
             </a:extLst>
           </p:cNvPr>
@@ -1527,7 +1527,7 @@
           <p:cNvPr id="14" name="直接连接符 13">
             <a:extLst>
               <a:ext uri="{FF2B5EF4-FFF2-40B4-BE49-F238E27FC236}">
-                <a16:creationId xmlns="" xmlns:a16="http://schemas.microsoft.com/office/drawing/2014/main" id="{554FEBEA-5C7D-413E-AB89-E28D0D97091C}"/>
+                <a16:creationId xmlns:a16="http://schemas.microsoft.com/office/drawing/2014/main" xmlns="" id="{554FEBEA-5C7D-413E-AB89-E28D0D97091C}"/>
               </a:ext>
             </a:extLst>
           </p:cNvPr>
@@ -1624,7 +1624,7 @@
           <p:cNvPr id="2" name="标题 1">
             <a:extLst>
               <a:ext uri="{FF2B5EF4-FFF2-40B4-BE49-F238E27FC236}">
-                <a16:creationId xmlns="" xmlns:a16="http://schemas.microsoft.com/office/drawing/2014/main" id="{8454815B-E304-4786-BD37-6D89132B2AC4}"/>
+                <a16:creationId xmlns:a16="http://schemas.microsoft.com/office/drawing/2014/main" xmlns="" id="{8454815B-E304-4786-BD37-6D89132B2AC4}"/>
               </a:ext>
             </a:extLst>
           </p:cNvPr>
@@ -1652,7 +1652,7 @@
           <p:cNvPr id="3" name="竖排文字占位符 2">
             <a:extLst>
               <a:ext uri="{FF2B5EF4-FFF2-40B4-BE49-F238E27FC236}">
-                <a16:creationId xmlns="" xmlns:a16="http://schemas.microsoft.com/office/drawing/2014/main" id="{6624F2FA-194D-4A84-989D-6C37A38959DA}"/>
+                <a16:creationId xmlns:a16="http://schemas.microsoft.com/office/drawing/2014/main" xmlns="" id="{6624F2FA-194D-4A84-989D-6C37A38959DA}"/>
               </a:ext>
             </a:extLst>
           </p:cNvPr>
@@ -1709,7 +1709,7 @@
           <p:cNvPr id="4" name="日期占位符 3">
             <a:extLst>
               <a:ext uri="{FF2B5EF4-FFF2-40B4-BE49-F238E27FC236}">
-                <a16:creationId xmlns="" xmlns:a16="http://schemas.microsoft.com/office/drawing/2014/main" id="{A764F5E7-E5F2-44DF-A7A4-2C9F941CEEEB}"/>
+                <a16:creationId xmlns:a16="http://schemas.microsoft.com/office/drawing/2014/main" xmlns="" id="{A764F5E7-E5F2-44DF-A7A4-2C9F941CEEEB}"/>
               </a:ext>
             </a:extLst>
           </p:cNvPr>
@@ -1727,7 +1727,7 @@
           <a:p>
             <a:fld id="{A331BB1A-BD65-48FB-939A-7E246D51B2D8}" type="datetimeFigureOut">
               <a:rPr lang="zh-CN" altLang="en-US" smtClean="0"/>
-              <a:t>2018/8/7</a:t>
+              <a:t>2018/7/11</a:t>
             </a:fld>
             <a:endParaRPr lang="zh-CN" altLang="en-US"/>
           </a:p>
@@ -1738,7 +1738,7 @@
           <p:cNvPr id="5" name="页脚占位符 4">
             <a:extLst>
               <a:ext uri="{FF2B5EF4-FFF2-40B4-BE49-F238E27FC236}">
-                <a16:creationId xmlns="" xmlns:a16="http://schemas.microsoft.com/office/drawing/2014/main" id="{65F0AACD-7E38-4649-A57C-FE4367D6BADE}"/>
+                <a16:creationId xmlns:a16="http://schemas.microsoft.com/office/drawing/2014/main" xmlns="" id="{65F0AACD-7E38-4649-A57C-FE4367D6BADE}"/>
               </a:ext>
             </a:extLst>
           </p:cNvPr>
@@ -1763,7 +1763,7 @@
           <p:cNvPr id="6" name="灯片编号占位符 5">
             <a:extLst>
               <a:ext uri="{FF2B5EF4-FFF2-40B4-BE49-F238E27FC236}">
-                <a16:creationId xmlns="" xmlns:a16="http://schemas.microsoft.com/office/drawing/2014/main" id="{8E3C7833-3A1D-4203-9FDD-6639AC62925C}"/>
+                <a16:creationId xmlns:a16="http://schemas.microsoft.com/office/drawing/2014/main" xmlns="" id="{8E3C7833-3A1D-4203-9FDD-6639AC62925C}"/>
               </a:ext>
             </a:extLst>
           </p:cNvPr>
@@ -1822,7 +1822,7 @@
           <p:cNvPr id="2" name="竖排标题 1">
             <a:extLst>
               <a:ext uri="{FF2B5EF4-FFF2-40B4-BE49-F238E27FC236}">
-                <a16:creationId xmlns="" xmlns:a16="http://schemas.microsoft.com/office/drawing/2014/main" id="{C000706C-D421-459B-98C0-155E6B375D46}"/>
+                <a16:creationId xmlns:a16="http://schemas.microsoft.com/office/drawing/2014/main" xmlns="" id="{C000706C-D421-459B-98C0-155E6B375D46}"/>
               </a:ext>
             </a:extLst>
           </p:cNvPr>
@@ -1855,7 +1855,7 @@
           <p:cNvPr id="3" name="竖排文字占位符 2">
             <a:extLst>
               <a:ext uri="{FF2B5EF4-FFF2-40B4-BE49-F238E27FC236}">
-                <a16:creationId xmlns="" xmlns:a16="http://schemas.microsoft.com/office/drawing/2014/main" id="{5FC6D352-7D16-47A2-907D-20DF540EAF8C}"/>
+                <a16:creationId xmlns:a16="http://schemas.microsoft.com/office/drawing/2014/main" xmlns="" id="{5FC6D352-7D16-47A2-907D-20DF540EAF8C}"/>
               </a:ext>
             </a:extLst>
           </p:cNvPr>
@@ -1917,7 +1917,7 @@
           <p:cNvPr id="4" name="日期占位符 3">
             <a:extLst>
               <a:ext uri="{FF2B5EF4-FFF2-40B4-BE49-F238E27FC236}">
-                <a16:creationId xmlns="" xmlns:a16="http://schemas.microsoft.com/office/drawing/2014/main" id="{734553EE-2D7B-46FB-A7C7-1027998E2E54}"/>
+                <a16:creationId xmlns:a16="http://schemas.microsoft.com/office/drawing/2014/main" xmlns="" id="{734553EE-2D7B-46FB-A7C7-1027998E2E54}"/>
               </a:ext>
             </a:extLst>
           </p:cNvPr>
@@ -1935,7 +1935,7 @@
           <a:p>
             <a:fld id="{A331BB1A-BD65-48FB-939A-7E246D51B2D8}" type="datetimeFigureOut">
               <a:rPr lang="zh-CN" altLang="en-US" smtClean="0"/>
-              <a:t>2018/8/7</a:t>
+              <a:t>2018/7/11</a:t>
             </a:fld>
             <a:endParaRPr lang="zh-CN" altLang="en-US"/>
           </a:p>
@@ -1946,7 +1946,7 @@
           <p:cNvPr id="5" name="页脚占位符 4">
             <a:extLst>
               <a:ext uri="{FF2B5EF4-FFF2-40B4-BE49-F238E27FC236}">
-                <a16:creationId xmlns="" xmlns:a16="http://schemas.microsoft.com/office/drawing/2014/main" id="{F911BA30-0364-4ACC-8C34-81C7909DFDE9}"/>
+                <a16:creationId xmlns:a16="http://schemas.microsoft.com/office/drawing/2014/main" xmlns="" id="{F911BA30-0364-4ACC-8C34-81C7909DFDE9}"/>
               </a:ext>
             </a:extLst>
           </p:cNvPr>
@@ -1971,7 +1971,7 @@
           <p:cNvPr id="6" name="灯片编号占位符 5">
             <a:extLst>
               <a:ext uri="{FF2B5EF4-FFF2-40B4-BE49-F238E27FC236}">
-                <a16:creationId xmlns="" xmlns:a16="http://schemas.microsoft.com/office/drawing/2014/main" id="{429DA55D-3D3A-4F4A-9C90-7B8507D52B39}"/>
+                <a16:creationId xmlns:a16="http://schemas.microsoft.com/office/drawing/2014/main" xmlns="" id="{429DA55D-3D3A-4F4A-9C90-7B8507D52B39}"/>
               </a:ext>
             </a:extLst>
           </p:cNvPr>
@@ -2030,7 +2030,7 @@
           <p:cNvPr id="2" name="标题 1">
             <a:extLst>
               <a:ext uri="{FF2B5EF4-FFF2-40B4-BE49-F238E27FC236}">
-                <a16:creationId xmlns="" xmlns:a16="http://schemas.microsoft.com/office/drawing/2014/main" id="{BEA57049-5F47-4B43-B567-34CAA9F30E3B}"/>
+                <a16:creationId xmlns:a16="http://schemas.microsoft.com/office/drawing/2014/main" xmlns="" id="{BEA57049-5F47-4B43-B567-34CAA9F30E3B}"/>
               </a:ext>
             </a:extLst>
           </p:cNvPr>
@@ -2058,7 +2058,7 @@
           <p:cNvPr id="3" name="内容占位符 2">
             <a:extLst>
               <a:ext uri="{FF2B5EF4-FFF2-40B4-BE49-F238E27FC236}">
-                <a16:creationId xmlns="" xmlns:a16="http://schemas.microsoft.com/office/drawing/2014/main" id="{694714AC-ADBC-4822-B6CB-A0D35E2D3F4A}"/>
+                <a16:creationId xmlns:a16="http://schemas.microsoft.com/office/drawing/2014/main" xmlns="" id="{694714AC-ADBC-4822-B6CB-A0D35E2D3F4A}"/>
               </a:ext>
             </a:extLst>
           </p:cNvPr>
@@ -2115,7 +2115,7 @@
           <p:cNvPr id="4" name="日期占位符 3">
             <a:extLst>
               <a:ext uri="{FF2B5EF4-FFF2-40B4-BE49-F238E27FC236}">
-                <a16:creationId xmlns="" xmlns:a16="http://schemas.microsoft.com/office/drawing/2014/main" id="{3ABD5D2C-34B4-4619-B76C-A026DC33A905}"/>
+                <a16:creationId xmlns:a16="http://schemas.microsoft.com/office/drawing/2014/main" xmlns="" id="{3ABD5D2C-34B4-4619-B76C-A026DC33A905}"/>
               </a:ext>
             </a:extLst>
           </p:cNvPr>
@@ -2133,7 +2133,7 @@
           <a:p>
             <a:fld id="{A331BB1A-BD65-48FB-939A-7E246D51B2D8}" type="datetimeFigureOut">
               <a:rPr lang="zh-CN" altLang="en-US" smtClean="0"/>
-              <a:t>2018/8/7</a:t>
+              <a:t>2018/7/11</a:t>
             </a:fld>
             <a:endParaRPr lang="zh-CN" altLang="en-US"/>
           </a:p>
@@ -2144,7 +2144,7 @@
           <p:cNvPr id="5" name="页脚占位符 4">
             <a:extLst>
               <a:ext uri="{FF2B5EF4-FFF2-40B4-BE49-F238E27FC236}">
-                <a16:creationId xmlns="" xmlns:a16="http://schemas.microsoft.com/office/drawing/2014/main" id="{38E1B0CA-E35C-4085-A5FF-D9610882DFD0}"/>
+                <a16:creationId xmlns:a16="http://schemas.microsoft.com/office/drawing/2014/main" xmlns="" id="{38E1B0CA-E35C-4085-A5FF-D9610882DFD0}"/>
               </a:ext>
             </a:extLst>
           </p:cNvPr>
@@ -2169,7 +2169,7 @@
           <p:cNvPr id="6" name="灯片编号占位符 5">
             <a:extLst>
               <a:ext uri="{FF2B5EF4-FFF2-40B4-BE49-F238E27FC236}">
-                <a16:creationId xmlns="" xmlns:a16="http://schemas.microsoft.com/office/drawing/2014/main" id="{0A3F2550-A2E1-4ED8-A4AF-51733158DD09}"/>
+                <a16:creationId xmlns:a16="http://schemas.microsoft.com/office/drawing/2014/main" xmlns="" id="{0A3F2550-A2E1-4ED8-A4AF-51733158DD09}"/>
               </a:ext>
             </a:extLst>
           </p:cNvPr>
@@ -2228,7 +2228,7 @@
           <p:cNvPr id="2" name="标题 1">
             <a:extLst>
               <a:ext uri="{FF2B5EF4-FFF2-40B4-BE49-F238E27FC236}">
-                <a16:creationId xmlns="" xmlns:a16="http://schemas.microsoft.com/office/drawing/2014/main" id="{2102B164-F971-4F26-A223-413289BD686A}"/>
+                <a16:creationId xmlns:a16="http://schemas.microsoft.com/office/drawing/2014/main" xmlns="" id="{2102B164-F971-4F26-A223-413289BD686A}"/>
               </a:ext>
             </a:extLst>
           </p:cNvPr>
@@ -2265,7 +2265,7 @@
           <p:cNvPr id="3" name="文本占位符 2">
             <a:extLst>
               <a:ext uri="{FF2B5EF4-FFF2-40B4-BE49-F238E27FC236}">
-                <a16:creationId xmlns="" xmlns:a16="http://schemas.microsoft.com/office/drawing/2014/main" id="{EA75EE9C-900F-4852-9AD6-67DF714FD3AD}"/>
+                <a16:creationId xmlns:a16="http://schemas.microsoft.com/office/drawing/2014/main" xmlns="" id="{EA75EE9C-900F-4852-9AD6-67DF714FD3AD}"/>
               </a:ext>
             </a:extLst>
           </p:cNvPr>
@@ -2390,7 +2390,7 @@
           <p:cNvPr id="4" name="日期占位符 3">
             <a:extLst>
               <a:ext uri="{FF2B5EF4-FFF2-40B4-BE49-F238E27FC236}">
-                <a16:creationId xmlns="" xmlns:a16="http://schemas.microsoft.com/office/drawing/2014/main" id="{E1C42851-6C04-46BB-A216-6276E0816540}"/>
+                <a16:creationId xmlns:a16="http://schemas.microsoft.com/office/drawing/2014/main" xmlns="" id="{E1C42851-6C04-46BB-A216-6276E0816540}"/>
               </a:ext>
             </a:extLst>
           </p:cNvPr>
@@ -2408,7 +2408,7 @@
           <a:p>
             <a:fld id="{A331BB1A-BD65-48FB-939A-7E246D51B2D8}" type="datetimeFigureOut">
               <a:rPr lang="zh-CN" altLang="en-US" smtClean="0"/>
-              <a:t>2018/8/7</a:t>
+              <a:t>2018/7/11</a:t>
             </a:fld>
             <a:endParaRPr lang="zh-CN" altLang="en-US"/>
           </a:p>
@@ -2419,7 +2419,7 @@
           <p:cNvPr id="5" name="页脚占位符 4">
             <a:extLst>
               <a:ext uri="{FF2B5EF4-FFF2-40B4-BE49-F238E27FC236}">
-                <a16:creationId xmlns="" xmlns:a16="http://schemas.microsoft.com/office/drawing/2014/main" id="{61D51087-2165-4B4C-88CF-20FB9EA5EE4F}"/>
+                <a16:creationId xmlns:a16="http://schemas.microsoft.com/office/drawing/2014/main" xmlns="" id="{61D51087-2165-4B4C-88CF-20FB9EA5EE4F}"/>
               </a:ext>
             </a:extLst>
           </p:cNvPr>
@@ -2444,7 +2444,7 @@
           <p:cNvPr id="6" name="灯片编号占位符 5">
             <a:extLst>
               <a:ext uri="{FF2B5EF4-FFF2-40B4-BE49-F238E27FC236}">
-                <a16:creationId xmlns="" xmlns:a16="http://schemas.microsoft.com/office/drawing/2014/main" id="{559D4ECB-5569-465E-BAF8-4E218FBA1F69}"/>
+                <a16:creationId xmlns:a16="http://schemas.microsoft.com/office/drawing/2014/main" xmlns="" id="{559D4ECB-5569-465E-BAF8-4E218FBA1F69}"/>
               </a:ext>
             </a:extLst>
           </p:cNvPr>
@@ -2503,7 +2503,7 @@
           <p:cNvPr id="2" name="标题 1">
             <a:extLst>
               <a:ext uri="{FF2B5EF4-FFF2-40B4-BE49-F238E27FC236}">
-                <a16:creationId xmlns="" xmlns:a16="http://schemas.microsoft.com/office/drawing/2014/main" id="{687935E8-5447-4308-824A-E8B597A6C7D7}"/>
+                <a16:creationId xmlns:a16="http://schemas.microsoft.com/office/drawing/2014/main" xmlns="" id="{687935E8-5447-4308-824A-E8B597A6C7D7}"/>
               </a:ext>
             </a:extLst>
           </p:cNvPr>
@@ -2531,7 +2531,7 @@
           <p:cNvPr id="3" name="内容占位符 2">
             <a:extLst>
               <a:ext uri="{FF2B5EF4-FFF2-40B4-BE49-F238E27FC236}">
-                <a16:creationId xmlns="" xmlns:a16="http://schemas.microsoft.com/office/drawing/2014/main" id="{6733F451-049C-43D5-9056-6CD89E1F6777}"/>
+                <a16:creationId xmlns:a16="http://schemas.microsoft.com/office/drawing/2014/main" xmlns="" id="{6733F451-049C-43D5-9056-6CD89E1F6777}"/>
               </a:ext>
             </a:extLst>
           </p:cNvPr>
@@ -2593,7 +2593,7 @@
           <p:cNvPr id="4" name="内容占位符 3">
             <a:extLst>
               <a:ext uri="{FF2B5EF4-FFF2-40B4-BE49-F238E27FC236}">
-                <a16:creationId xmlns="" xmlns:a16="http://schemas.microsoft.com/office/drawing/2014/main" id="{B57B02F0-7C65-4F63-90DD-1C1235326F40}"/>
+                <a16:creationId xmlns:a16="http://schemas.microsoft.com/office/drawing/2014/main" xmlns="" id="{B57B02F0-7C65-4F63-90DD-1C1235326F40}"/>
               </a:ext>
             </a:extLst>
           </p:cNvPr>
@@ -2655,7 +2655,7 @@
           <p:cNvPr id="5" name="日期占位符 4">
             <a:extLst>
               <a:ext uri="{FF2B5EF4-FFF2-40B4-BE49-F238E27FC236}">
-                <a16:creationId xmlns="" xmlns:a16="http://schemas.microsoft.com/office/drawing/2014/main" id="{C80C887A-BDBC-40AD-AF46-4CF8BA1EAA9E}"/>
+                <a16:creationId xmlns:a16="http://schemas.microsoft.com/office/drawing/2014/main" xmlns="" id="{C80C887A-BDBC-40AD-AF46-4CF8BA1EAA9E}"/>
               </a:ext>
             </a:extLst>
           </p:cNvPr>
@@ -2673,7 +2673,7 @@
           <a:p>
             <a:fld id="{A331BB1A-BD65-48FB-939A-7E246D51B2D8}" type="datetimeFigureOut">
               <a:rPr lang="zh-CN" altLang="en-US" smtClean="0"/>
-              <a:t>2018/8/7</a:t>
+              <a:t>2018/7/11</a:t>
             </a:fld>
             <a:endParaRPr lang="zh-CN" altLang="en-US"/>
           </a:p>
@@ -2684,7 +2684,7 @@
           <p:cNvPr id="6" name="页脚占位符 5">
             <a:extLst>
               <a:ext uri="{FF2B5EF4-FFF2-40B4-BE49-F238E27FC236}">
-                <a16:creationId xmlns="" xmlns:a16="http://schemas.microsoft.com/office/drawing/2014/main" id="{87AA867D-A2BD-4E24-98B1-D6440FB44316}"/>
+                <a16:creationId xmlns:a16="http://schemas.microsoft.com/office/drawing/2014/main" xmlns="" id="{87AA867D-A2BD-4E24-98B1-D6440FB44316}"/>
               </a:ext>
             </a:extLst>
           </p:cNvPr>
@@ -2709,7 +2709,7 @@
           <p:cNvPr id="7" name="灯片编号占位符 6">
             <a:extLst>
               <a:ext uri="{FF2B5EF4-FFF2-40B4-BE49-F238E27FC236}">
-                <a16:creationId xmlns="" xmlns:a16="http://schemas.microsoft.com/office/drawing/2014/main" id="{44B785CA-DFE5-4ED7-ABC0-55168CB025F9}"/>
+                <a16:creationId xmlns:a16="http://schemas.microsoft.com/office/drawing/2014/main" xmlns="" id="{44B785CA-DFE5-4ED7-ABC0-55168CB025F9}"/>
               </a:ext>
             </a:extLst>
           </p:cNvPr>
@@ -2768,7 +2768,7 @@
           <p:cNvPr id="2" name="标题 1">
             <a:extLst>
               <a:ext uri="{FF2B5EF4-FFF2-40B4-BE49-F238E27FC236}">
-                <a16:creationId xmlns="" xmlns:a16="http://schemas.microsoft.com/office/drawing/2014/main" id="{E3070924-FCF1-4430-A9E8-6A1BCEA4DC77}"/>
+                <a16:creationId xmlns:a16="http://schemas.microsoft.com/office/drawing/2014/main" xmlns="" id="{E3070924-FCF1-4430-A9E8-6A1BCEA4DC77}"/>
               </a:ext>
             </a:extLst>
           </p:cNvPr>
@@ -2801,7 +2801,7 @@
           <p:cNvPr id="3" name="文本占位符 2">
             <a:extLst>
               <a:ext uri="{FF2B5EF4-FFF2-40B4-BE49-F238E27FC236}">
-                <a16:creationId xmlns="" xmlns:a16="http://schemas.microsoft.com/office/drawing/2014/main" id="{8A63EC85-3D9F-4B0C-A73D-E275ADAE88EF}"/>
+                <a16:creationId xmlns:a16="http://schemas.microsoft.com/office/drawing/2014/main" xmlns="" id="{8A63EC85-3D9F-4B0C-A73D-E275ADAE88EF}"/>
               </a:ext>
             </a:extLst>
           </p:cNvPr>
@@ -2872,7 +2872,7 @@
           <p:cNvPr id="4" name="内容占位符 3">
             <a:extLst>
               <a:ext uri="{FF2B5EF4-FFF2-40B4-BE49-F238E27FC236}">
-                <a16:creationId xmlns="" xmlns:a16="http://schemas.microsoft.com/office/drawing/2014/main" id="{D80B6377-38E7-4219-A223-722E006F9D13}"/>
+                <a16:creationId xmlns:a16="http://schemas.microsoft.com/office/drawing/2014/main" xmlns="" id="{D80B6377-38E7-4219-A223-722E006F9D13}"/>
               </a:ext>
             </a:extLst>
           </p:cNvPr>
@@ -2934,7 +2934,7 @@
           <p:cNvPr id="5" name="文本占位符 4">
             <a:extLst>
               <a:ext uri="{FF2B5EF4-FFF2-40B4-BE49-F238E27FC236}">
-                <a16:creationId xmlns="" xmlns:a16="http://schemas.microsoft.com/office/drawing/2014/main" id="{6E112E31-BD84-406D-A73B-0FC5DABED2DC}"/>
+                <a16:creationId xmlns:a16="http://schemas.microsoft.com/office/drawing/2014/main" xmlns="" id="{6E112E31-BD84-406D-A73B-0FC5DABED2DC}"/>
               </a:ext>
             </a:extLst>
           </p:cNvPr>
@@ -3005,7 +3005,7 @@
           <p:cNvPr id="6" name="内容占位符 5">
             <a:extLst>
               <a:ext uri="{FF2B5EF4-FFF2-40B4-BE49-F238E27FC236}">
-                <a16:creationId xmlns="" xmlns:a16="http://schemas.microsoft.com/office/drawing/2014/main" id="{6A488437-553D-46AD-B887-3019550A0193}"/>
+                <a16:creationId xmlns:a16="http://schemas.microsoft.com/office/drawing/2014/main" xmlns="" id="{6A488437-553D-46AD-B887-3019550A0193}"/>
               </a:ext>
             </a:extLst>
           </p:cNvPr>
@@ -3067,7 +3067,7 @@
           <p:cNvPr id="7" name="日期占位符 6">
             <a:extLst>
               <a:ext uri="{FF2B5EF4-FFF2-40B4-BE49-F238E27FC236}">
-                <a16:creationId xmlns="" xmlns:a16="http://schemas.microsoft.com/office/drawing/2014/main" id="{79DCE9C0-51CE-445D-8208-08E4DC654B5F}"/>
+                <a16:creationId xmlns:a16="http://schemas.microsoft.com/office/drawing/2014/main" xmlns="" id="{79DCE9C0-51CE-445D-8208-08E4DC654B5F}"/>
               </a:ext>
             </a:extLst>
           </p:cNvPr>
@@ -3085,7 +3085,7 @@
           <a:p>
             <a:fld id="{A331BB1A-BD65-48FB-939A-7E246D51B2D8}" type="datetimeFigureOut">
               <a:rPr lang="zh-CN" altLang="en-US" smtClean="0"/>
-              <a:t>2018/8/7</a:t>
+              <a:t>2018/7/11</a:t>
             </a:fld>
             <a:endParaRPr lang="zh-CN" altLang="en-US"/>
           </a:p>
@@ -3096,7 +3096,7 @@
           <p:cNvPr id="8" name="页脚占位符 7">
             <a:extLst>
               <a:ext uri="{FF2B5EF4-FFF2-40B4-BE49-F238E27FC236}">
-                <a16:creationId xmlns="" xmlns:a16="http://schemas.microsoft.com/office/drawing/2014/main" id="{48FCA315-CB84-4AAE-898A-4D2AB02B690D}"/>
+                <a16:creationId xmlns:a16="http://schemas.microsoft.com/office/drawing/2014/main" xmlns="" id="{48FCA315-CB84-4AAE-898A-4D2AB02B690D}"/>
               </a:ext>
             </a:extLst>
           </p:cNvPr>
@@ -3121,7 +3121,7 @@
           <p:cNvPr id="9" name="灯片编号占位符 8">
             <a:extLst>
               <a:ext uri="{FF2B5EF4-FFF2-40B4-BE49-F238E27FC236}">
-                <a16:creationId xmlns="" xmlns:a16="http://schemas.microsoft.com/office/drawing/2014/main" id="{1337EA00-02F7-4575-A654-13D654AA5C04}"/>
+                <a16:creationId xmlns:a16="http://schemas.microsoft.com/office/drawing/2014/main" xmlns="" id="{1337EA00-02F7-4575-A654-13D654AA5C04}"/>
               </a:ext>
             </a:extLst>
           </p:cNvPr>
@@ -3180,7 +3180,7 @@
           <p:cNvPr id="2" name="标题 1">
             <a:extLst>
               <a:ext uri="{FF2B5EF4-FFF2-40B4-BE49-F238E27FC236}">
-                <a16:creationId xmlns="" xmlns:a16="http://schemas.microsoft.com/office/drawing/2014/main" id="{FEC4A1A1-56D2-4D97-861A-EF3EE052EAB4}"/>
+                <a16:creationId xmlns:a16="http://schemas.microsoft.com/office/drawing/2014/main" xmlns="" id="{FEC4A1A1-56D2-4D97-861A-EF3EE052EAB4}"/>
               </a:ext>
             </a:extLst>
           </p:cNvPr>
@@ -3208,7 +3208,7 @@
           <p:cNvPr id="3" name="日期占位符 2">
             <a:extLst>
               <a:ext uri="{FF2B5EF4-FFF2-40B4-BE49-F238E27FC236}">
-                <a16:creationId xmlns="" xmlns:a16="http://schemas.microsoft.com/office/drawing/2014/main" id="{B2155882-2325-48F4-9861-AD15B1443321}"/>
+                <a16:creationId xmlns:a16="http://schemas.microsoft.com/office/drawing/2014/main" xmlns="" id="{B2155882-2325-48F4-9861-AD15B1443321}"/>
               </a:ext>
             </a:extLst>
           </p:cNvPr>
@@ -3226,7 +3226,7 @@
           <a:p>
             <a:fld id="{A331BB1A-BD65-48FB-939A-7E246D51B2D8}" type="datetimeFigureOut">
               <a:rPr lang="zh-CN" altLang="en-US" smtClean="0"/>
-              <a:t>2018/8/7</a:t>
+              <a:t>2018/7/11</a:t>
             </a:fld>
             <a:endParaRPr lang="zh-CN" altLang="en-US"/>
           </a:p>
@@ -3237,7 +3237,7 @@
           <p:cNvPr id="4" name="页脚占位符 3">
             <a:extLst>
               <a:ext uri="{FF2B5EF4-FFF2-40B4-BE49-F238E27FC236}">
-                <a16:creationId xmlns="" xmlns:a16="http://schemas.microsoft.com/office/drawing/2014/main" id="{53C2C771-E733-4370-B149-AF5D5536EDD1}"/>
+                <a16:creationId xmlns:a16="http://schemas.microsoft.com/office/drawing/2014/main" xmlns="" id="{53C2C771-E733-4370-B149-AF5D5536EDD1}"/>
               </a:ext>
             </a:extLst>
           </p:cNvPr>
@@ -3262,7 +3262,7 @@
           <p:cNvPr id="5" name="灯片编号占位符 4">
             <a:extLst>
               <a:ext uri="{FF2B5EF4-FFF2-40B4-BE49-F238E27FC236}">
-                <a16:creationId xmlns="" xmlns:a16="http://schemas.microsoft.com/office/drawing/2014/main" id="{D27B130E-8F7D-4556-90FB-5A70DAC773EE}"/>
+                <a16:creationId xmlns:a16="http://schemas.microsoft.com/office/drawing/2014/main" xmlns="" id="{D27B130E-8F7D-4556-90FB-5A70DAC773EE}"/>
               </a:ext>
             </a:extLst>
           </p:cNvPr>
@@ -3321,7 +3321,7 @@
           <p:cNvPr id="2" name="日期占位符 1">
             <a:extLst>
               <a:ext uri="{FF2B5EF4-FFF2-40B4-BE49-F238E27FC236}">
-                <a16:creationId xmlns="" xmlns:a16="http://schemas.microsoft.com/office/drawing/2014/main" id="{5D9D87AB-4312-43D5-AC98-DFFAD9596564}"/>
+                <a16:creationId xmlns:a16="http://schemas.microsoft.com/office/drawing/2014/main" xmlns="" id="{5D9D87AB-4312-43D5-AC98-DFFAD9596564}"/>
               </a:ext>
             </a:extLst>
           </p:cNvPr>
@@ -3339,7 +3339,7 @@
           <a:p>
             <a:fld id="{A331BB1A-BD65-48FB-939A-7E246D51B2D8}" type="datetimeFigureOut">
               <a:rPr lang="zh-CN" altLang="en-US" smtClean="0"/>
-              <a:t>2018/8/7</a:t>
+              <a:t>2018/7/11</a:t>
             </a:fld>
             <a:endParaRPr lang="zh-CN" altLang="en-US"/>
           </a:p>
@@ -3350,7 +3350,7 @@
           <p:cNvPr id="3" name="页脚占位符 2">
             <a:extLst>
               <a:ext uri="{FF2B5EF4-FFF2-40B4-BE49-F238E27FC236}">
-                <a16:creationId xmlns="" xmlns:a16="http://schemas.microsoft.com/office/drawing/2014/main" id="{BD030FDD-314D-4BF3-861F-6E6C85535BD2}"/>
+                <a16:creationId xmlns:a16="http://schemas.microsoft.com/office/drawing/2014/main" xmlns="" id="{BD030FDD-314D-4BF3-861F-6E6C85535BD2}"/>
               </a:ext>
             </a:extLst>
           </p:cNvPr>
@@ -3375,7 +3375,7 @@
           <p:cNvPr id="4" name="灯片编号占位符 3">
             <a:extLst>
               <a:ext uri="{FF2B5EF4-FFF2-40B4-BE49-F238E27FC236}">
-                <a16:creationId xmlns="" xmlns:a16="http://schemas.microsoft.com/office/drawing/2014/main" id="{8437EA6D-3FE9-4B17-BE75-A6B9987CB7D9}"/>
+                <a16:creationId xmlns:a16="http://schemas.microsoft.com/office/drawing/2014/main" xmlns="" id="{8437EA6D-3FE9-4B17-BE75-A6B9987CB7D9}"/>
               </a:ext>
             </a:extLst>
           </p:cNvPr>
@@ -3434,7 +3434,7 @@
           <p:cNvPr id="2" name="标题 1">
             <a:extLst>
               <a:ext uri="{FF2B5EF4-FFF2-40B4-BE49-F238E27FC236}">
-                <a16:creationId xmlns="" xmlns:a16="http://schemas.microsoft.com/office/drawing/2014/main" id="{C7BF5714-0E83-4B93-B300-2CD1D72201EC}"/>
+                <a16:creationId xmlns:a16="http://schemas.microsoft.com/office/drawing/2014/main" xmlns="" id="{C7BF5714-0E83-4B93-B300-2CD1D72201EC}"/>
               </a:ext>
             </a:extLst>
           </p:cNvPr>
@@ -3471,7 +3471,7 @@
           <p:cNvPr id="3" name="内容占位符 2">
             <a:extLst>
               <a:ext uri="{FF2B5EF4-FFF2-40B4-BE49-F238E27FC236}">
-                <a16:creationId xmlns="" xmlns:a16="http://schemas.microsoft.com/office/drawing/2014/main" id="{15C87E35-D09D-4B7C-B1DE-41102E82D29B}"/>
+                <a16:creationId xmlns:a16="http://schemas.microsoft.com/office/drawing/2014/main" xmlns="" id="{15C87E35-D09D-4B7C-B1DE-41102E82D29B}"/>
               </a:ext>
             </a:extLst>
           </p:cNvPr>
@@ -3561,7 +3561,7 @@
           <p:cNvPr id="4" name="文本占位符 3">
             <a:extLst>
               <a:ext uri="{FF2B5EF4-FFF2-40B4-BE49-F238E27FC236}">
-                <a16:creationId xmlns="" xmlns:a16="http://schemas.microsoft.com/office/drawing/2014/main" id="{FADEEC18-6503-4F8D-BCC7-438ED0184B11}"/>
+                <a16:creationId xmlns:a16="http://schemas.microsoft.com/office/drawing/2014/main" xmlns="" id="{FADEEC18-6503-4F8D-BCC7-438ED0184B11}"/>
               </a:ext>
             </a:extLst>
           </p:cNvPr>
@@ -3632,7 +3632,7 @@
           <p:cNvPr id="5" name="日期占位符 4">
             <a:extLst>
               <a:ext uri="{FF2B5EF4-FFF2-40B4-BE49-F238E27FC236}">
-                <a16:creationId xmlns="" xmlns:a16="http://schemas.microsoft.com/office/drawing/2014/main" id="{A169FF01-5AFC-4A0C-9A5D-E1E71726FBFC}"/>
+                <a16:creationId xmlns:a16="http://schemas.microsoft.com/office/drawing/2014/main" xmlns="" id="{A169FF01-5AFC-4A0C-9A5D-E1E71726FBFC}"/>
               </a:ext>
             </a:extLst>
           </p:cNvPr>
@@ -3650,7 +3650,7 @@
           <a:p>
             <a:fld id="{A331BB1A-BD65-48FB-939A-7E246D51B2D8}" type="datetimeFigureOut">
               <a:rPr lang="zh-CN" altLang="en-US" smtClean="0"/>
-              <a:t>2018/8/7</a:t>
+              <a:t>2018/7/11</a:t>
             </a:fld>
             <a:endParaRPr lang="zh-CN" altLang="en-US"/>
           </a:p>
@@ -3661,7 +3661,7 @@
           <p:cNvPr id="6" name="页脚占位符 5">
             <a:extLst>
               <a:ext uri="{FF2B5EF4-FFF2-40B4-BE49-F238E27FC236}">
-                <a16:creationId xmlns="" xmlns:a16="http://schemas.microsoft.com/office/drawing/2014/main" id="{0E673728-6F35-453A-A094-0AFFF102A435}"/>
+                <a16:creationId xmlns:a16="http://schemas.microsoft.com/office/drawing/2014/main" xmlns="" id="{0E673728-6F35-453A-A094-0AFFF102A435}"/>
               </a:ext>
             </a:extLst>
           </p:cNvPr>
@@ -3686,7 +3686,7 @@
           <p:cNvPr id="7" name="灯片编号占位符 6">
             <a:extLst>
               <a:ext uri="{FF2B5EF4-FFF2-40B4-BE49-F238E27FC236}">
-                <a16:creationId xmlns="" xmlns:a16="http://schemas.microsoft.com/office/drawing/2014/main" id="{FF01F217-F72F-446A-9A12-E898B576B132}"/>
+                <a16:creationId xmlns:a16="http://schemas.microsoft.com/office/drawing/2014/main" xmlns="" id="{FF01F217-F72F-446A-9A12-E898B576B132}"/>
               </a:ext>
             </a:extLst>
           </p:cNvPr>
@@ -3745,7 +3745,7 @@
           <p:cNvPr id="2" name="标题 1">
             <a:extLst>
               <a:ext uri="{FF2B5EF4-FFF2-40B4-BE49-F238E27FC236}">
-                <a16:creationId xmlns="" xmlns:a16="http://schemas.microsoft.com/office/drawing/2014/main" id="{F4376CBF-E2C3-4869-A593-0F6D02148BA7}"/>
+                <a16:creationId xmlns:a16="http://schemas.microsoft.com/office/drawing/2014/main" xmlns="" id="{F4376CBF-E2C3-4869-A593-0F6D02148BA7}"/>
               </a:ext>
             </a:extLst>
           </p:cNvPr>
@@ -3782,7 +3782,7 @@
           <p:cNvPr id="3" name="图片占位符 2">
             <a:extLst>
               <a:ext uri="{FF2B5EF4-FFF2-40B4-BE49-F238E27FC236}">
-                <a16:creationId xmlns="" xmlns:a16="http://schemas.microsoft.com/office/drawing/2014/main" id="{D8C48A36-90C3-4128-850B-6CDCB62BD50B}"/>
+                <a16:creationId xmlns:a16="http://schemas.microsoft.com/office/drawing/2014/main" xmlns="" id="{D8C48A36-90C3-4128-850B-6CDCB62BD50B}"/>
               </a:ext>
             </a:extLst>
           </p:cNvPr>
@@ -3849,7 +3849,7 @@
           <p:cNvPr id="4" name="文本占位符 3">
             <a:extLst>
               <a:ext uri="{FF2B5EF4-FFF2-40B4-BE49-F238E27FC236}">
-                <a16:creationId xmlns="" xmlns:a16="http://schemas.microsoft.com/office/drawing/2014/main" id="{3CA8776D-7555-4BD2-982D-F917A2D16F17}"/>
+                <a16:creationId xmlns:a16="http://schemas.microsoft.com/office/drawing/2014/main" xmlns="" id="{3CA8776D-7555-4BD2-982D-F917A2D16F17}"/>
               </a:ext>
             </a:extLst>
           </p:cNvPr>
@@ -3920,7 +3920,7 @@
           <p:cNvPr id="5" name="日期占位符 4">
             <a:extLst>
               <a:ext uri="{FF2B5EF4-FFF2-40B4-BE49-F238E27FC236}">
-                <a16:creationId xmlns="" xmlns:a16="http://schemas.microsoft.com/office/drawing/2014/main" id="{A03F3FD2-AC86-4E7B-9FC2-59ADCB2D2C4D}"/>
+                <a16:creationId xmlns:a16="http://schemas.microsoft.com/office/drawing/2014/main" xmlns="" id="{A03F3FD2-AC86-4E7B-9FC2-59ADCB2D2C4D}"/>
               </a:ext>
             </a:extLst>
           </p:cNvPr>
@@ -3938,7 +3938,7 @@
           <a:p>
             <a:fld id="{A331BB1A-BD65-48FB-939A-7E246D51B2D8}" type="datetimeFigureOut">
               <a:rPr lang="zh-CN" altLang="en-US" smtClean="0"/>
-              <a:t>2018/8/7</a:t>
+              <a:t>2018/7/11</a:t>
             </a:fld>
             <a:endParaRPr lang="zh-CN" altLang="en-US"/>
           </a:p>
@@ -3949,7 +3949,7 @@
           <p:cNvPr id="6" name="页脚占位符 5">
             <a:extLst>
               <a:ext uri="{FF2B5EF4-FFF2-40B4-BE49-F238E27FC236}">
-                <a16:creationId xmlns="" xmlns:a16="http://schemas.microsoft.com/office/drawing/2014/main" id="{1B82FA8B-3E08-472D-8450-B20A311713FB}"/>
+                <a16:creationId xmlns:a16="http://schemas.microsoft.com/office/drawing/2014/main" xmlns="" id="{1B82FA8B-3E08-472D-8450-B20A311713FB}"/>
               </a:ext>
             </a:extLst>
           </p:cNvPr>
@@ -3974,7 +3974,7 @@
           <p:cNvPr id="7" name="灯片编号占位符 6">
             <a:extLst>
               <a:ext uri="{FF2B5EF4-FFF2-40B4-BE49-F238E27FC236}">
-                <a16:creationId xmlns="" xmlns:a16="http://schemas.microsoft.com/office/drawing/2014/main" id="{C2D8EE38-9146-48A2-A418-B1F39D7A02B5}"/>
+                <a16:creationId xmlns:a16="http://schemas.microsoft.com/office/drawing/2014/main" xmlns="" id="{C2D8EE38-9146-48A2-A418-B1F39D7A02B5}"/>
               </a:ext>
             </a:extLst>
           </p:cNvPr>
@@ -4038,7 +4038,7 @@
           <p:cNvPr id="2" name="标题占位符 1">
             <a:extLst>
               <a:ext uri="{FF2B5EF4-FFF2-40B4-BE49-F238E27FC236}">
-                <a16:creationId xmlns="" xmlns:a16="http://schemas.microsoft.com/office/drawing/2014/main" id="{D465806D-994D-4E77-A97A-B8EA412529C8}"/>
+                <a16:creationId xmlns:a16="http://schemas.microsoft.com/office/drawing/2014/main" xmlns="" id="{D465806D-994D-4E77-A97A-B8EA412529C8}"/>
               </a:ext>
             </a:extLst>
           </p:cNvPr>
@@ -4076,7 +4076,7 @@
           <p:cNvPr id="3" name="文本占位符 2">
             <a:extLst>
               <a:ext uri="{FF2B5EF4-FFF2-40B4-BE49-F238E27FC236}">
-                <a16:creationId xmlns="" xmlns:a16="http://schemas.microsoft.com/office/drawing/2014/main" id="{661D7D4E-41A5-4712-ABFF-D60BC558559C}"/>
+                <a16:creationId xmlns:a16="http://schemas.microsoft.com/office/drawing/2014/main" xmlns="" id="{661D7D4E-41A5-4712-ABFF-D60BC558559C}"/>
               </a:ext>
             </a:extLst>
           </p:cNvPr>
@@ -4143,7 +4143,7 @@
           <p:cNvPr id="4" name="日期占位符 3">
             <a:extLst>
               <a:ext uri="{FF2B5EF4-FFF2-40B4-BE49-F238E27FC236}">
-                <a16:creationId xmlns="" xmlns:a16="http://schemas.microsoft.com/office/drawing/2014/main" id="{FAD7D179-D0DF-4EE1-9943-CEED1E9A531A}"/>
+                <a16:creationId xmlns:a16="http://schemas.microsoft.com/office/drawing/2014/main" xmlns="" id="{FAD7D179-D0DF-4EE1-9943-CEED1E9A531A}"/>
               </a:ext>
             </a:extLst>
           </p:cNvPr>
@@ -4179,7 +4179,7 @@
           <a:p>
             <a:fld id="{A331BB1A-BD65-48FB-939A-7E246D51B2D8}" type="datetimeFigureOut">
               <a:rPr lang="zh-CN" altLang="en-US" smtClean="0"/>
-              <a:t>2018/8/7</a:t>
+              <a:t>2018/7/11</a:t>
             </a:fld>
             <a:endParaRPr lang="zh-CN" altLang="en-US"/>
           </a:p>
@@ -4190,7 +4190,7 @@
           <p:cNvPr id="5" name="页脚占位符 4">
             <a:extLst>
               <a:ext uri="{FF2B5EF4-FFF2-40B4-BE49-F238E27FC236}">
-                <a16:creationId xmlns="" xmlns:a16="http://schemas.microsoft.com/office/drawing/2014/main" id="{6FBC58DF-0319-472A-8835-C625543C4074}"/>
+                <a16:creationId xmlns:a16="http://schemas.microsoft.com/office/drawing/2014/main" xmlns="" id="{6FBC58DF-0319-472A-8835-C625543C4074}"/>
               </a:ext>
             </a:extLst>
           </p:cNvPr>
@@ -4233,7 +4233,7 @@
           <p:cNvPr id="6" name="灯片编号占位符 5">
             <a:extLst>
               <a:ext uri="{FF2B5EF4-FFF2-40B4-BE49-F238E27FC236}">
-                <a16:creationId xmlns="" xmlns:a16="http://schemas.microsoft.com/office/drawing/2014/main" id="{AEC9C17F-2ADD-47BC-A60A-83A62657208B}"/>
+                <a16:creationId xmlns:a16="http://schemas.microsoft.com/office/drawing/2014/main" xmlns="" id="{AEC9C17F-2ADD-47BC-A60A-83A62657208B}"/>
               </a:ext>
             </a:extLst>
           </p:cNvPr>
@@ -4280,7 +4280,7 @@
           <p:cNvPr id="7" name="图片 6">
             <a:extLst>
               <a:ext uri="{FF2B5EF4-FFF2-40B4-BE49-F238E27FC236}">
-                <a16:creationId xmlns="" xmlns:a16="http://schemas.microsoft.com/office/drawing/2014/main" id="{0EC34E01-94EA-4EE8-9FBE-E43FD163AF4F}"/>
+                <a16:creationId xmlns:a16="http://schemas.microsoft.com/office/drawing/2014/main" xmlns="" id="{0EC34E01-94EA-4EE8-9FBE-E43FD163AF4F}"/>
               </a:ext>
             </a:extLst>
           </p:cNvPr>
@@ -4323,7 +4323,7 @@
           <p:cNvPr id="8" name="直接连接符 7">
             <a:extLst>
               <a:ext uri="{FF2B5EF4-FFF2-40B4-BE49-F238E27FC236}">
-                <a16:creationId xmlns="" xmlns:a16="http://schemas.microsoft.com/office/drawing/2014/main" id="{5CCC3BCB-263D-4BCB-AF99-9D9AC417ABEA}"/>
+                <a16:creationId xmlns:a16="http://schemas.microsoft.com/office/drawing/2014/main" xmlns="" id="{5CCC3BCB-263D-4BCB-AF99-9D9AC417ABEA}"/>
               </a:ext>
             </a:extLst>
           </p:cNvPr>
@@ -4711,7 +4711,7 @@
           <p:cNvPr id="12" name="Rectangle 4">
             <a:extLst>
               <a:ext uri="{FF2B5EF4-FFF2-40B4-BE49-F238E27FC236}">
-                <a16:creationId xmlns="" xmlns:a16="http://schemas.microsoft.com/office/drawing/2014/main" id="{F186014F-E0AA-443E-B258-893722E1F542}"/>
+                <a16:creationId xmlns:a16="http://schemas.microsoft.com/office/drawing/2014/main" xmlns="" id="{F186014F-E0AA-443E-B258-893722E1F542}"/>
               </a:ext>
             </a:extLst>
           </p:cNvPr>
@@ -5249,7 +5249,7 @@
           <p:cNvPr id="30" name="Rectangle 4">
             <a:extLst>
               <a:ext uri="{FF2B5EF4-FFF2-40B4-BE49-F238E27FC236}">
-                <a16:creationId xmlns="" xmlns:a16="http://schemas.microsoft.com/office/drawing/2014/main" id="{52FE7877-B31C-4391-9F18-1EE8CB8AE500}"/>
+                <a16:creationId xmlns:a16="http://schemas.microsoft.com/office/drawing/2014/main" xmlns="" id="{52FE7877-B31C-4391-9F18-1EE8CB8AE500}"/>
               </a:ext>
             </a:extLst>
           </p:cNvPr>
@@ -5783,7 +5783,7 @@
           <p:cNvPr id="30" name="Rectangle 4">
             <a:extLst>
               <a:ext uri="{FF2B5EF4-FFF2-40B4-BE49-F238E27FC236}">
-                <a16:creationId xmlns="" xmlns:a16="http://schemas.microsoft.com/office/drawing/2014/main" id="{52FE7877-B31C-4391-9F18-1EE8CB8AE500}"/>
+                <a16:creationId xmlns:a16="http://schemas.microsoft.com/office/drawing/2014/main" xmlns="" id="{52FE7877-B31C-4391-9F18-1EE8CB8AE500}"/>
               </a:ext>
             </a:extLst>
           </p:cNvPr>
@@ -5920,6 +5920,96 @@
           </a:prstGeom>
         </p:spPr>
       </p:pic>
+      <p:pic>
+        <p:nvPicPr>
+          <p:cNvPr id="18" name="图片 17"/>
+          <p:cNvPicPr>
+            <a:picLocks noChangeAspect="1"/>
+          </p:cNvPicPr>
+          <p:nvPr/>
+        </p:nvPicPr>
+        <p:blipFill>
+          <a:blip r:embed="rId4" cstate="print">
+            <a:extLst>
+              <a:ext uri="{28A0092B-C50C-407E-A947-70E740481C1C}">
+                <a14:useLocalDpi xmlns:a14="http://schemas.microsoft.com/office/drawing/2010/main" val="0"/>
+              </a:ext>
+            </a:extLst>
+          </a:blip>
+          <a:stretch>
+            <a:fillRect/>
+          </a:stretch>
+        </p:blipFill>
+        <p:spPr>
+          <a:xfrm>
+            <a:off x="1844546" y="2029781"/>
+            <a:ext cx="5253556" cy="2008197"/>
+          </a:xfrm>
+          <a:prstGeom prst="rect">
+            <a:avLst/>
+          </a:prstGeom>
+        </p:spPr>
+      </p:pic>
+      <p:pic>
+        <p:nvPicPr>
+          <p:cNvPr id="19" name="图片 18"/>
+          <p:cNvPicPr>
+            <a:picLocks noChangeAspect="1"/>
+          </p:cNvPicPr>
+          <p:nvPr/>
+        </p:nvPicPr>
+        <p:blipFill>
+          <a:blip r:embed="rId3" cstate="print">
+            <a:extLst>
+              <a:ext uri="{28A0092B-C50C-407E-A947-70E740481C1C}">
+                <a14:useLocalDpi xmlns:a14="http://schemas.microsoft.com/office/drawing/2010/main" val="0"/>
+              </a:ext>
+            </a:extLst>
+          </a:blip>
+          <a:stretch>
+            <a:fillRect/>
+          </a:stretch>
+        </p:blipFill>
+        <p:spPr>
+          <a:xfrm>
+            <a:off x="1052458" y="3404850"/>
+            <a:ext cx="5257494" cy="2003021"/>
+          </a:xfrm>
+          <a:prstGeom prst="rect">
+            <a:avLst/>
+          </a:prstGeom>
+        </p:spPr>
+      </p:pic>
+      <p:pic>
+        <p:nvPicPr>
+          <p:cNvPr id="20" name="图片 19"/>
+          <p:cNvPicPr>
+            <a:picLocks noChangeAspect="1"/>
+          </p:cNvPicPr>
+          <p:nvPr/>
+        </p:nvPicPr>
+        <p:blipFill>
+          <a:blip r:embed="rId4" cstate="print">
+            <a:extLst>
+              <a:ext uri="{28A0092B-C50C-407E-A947-70E740481C1C}">
+                <a14:useLocalDpi xmlns:a14="http://schemas.microsoft.com/office/drawing/2010/main" val="0"/>
+              </a:ext>
+            </a:extLst>
+          </a:blip>
+          <a:stretch>
+            <a:fillRect/>
+          </a:stretch>
+        </p:blipFill>
+        <p:spPr>
+          <a:xfrm>
+            <a:off x="41853" y="4781029"/>
+            <a:ext cx="5253556" cy="2008197"/>
+          </a:xfrm>
+          <a:prstGeom prst="rect">
+            <a:avLst/>
+          </a:prstGeom>
+        </p:spPr>
+      </p:pic>
       <p:sp>
         <p:nvSpPr>
           <p:cNvPr id="25" name="TextBox 24"/>
@@ -5983,7 +6073,7 @@
           <p:cNvPr id="30" name="Rectangle 4">
             <a:extLst>
               <a:ext uri="{FF2B5EF4-FFF2-40B4-BE49-F238E27FC236}">
-                <a16:creationId xmlns="" xmlns:a16="http://schemas.microsoft.com/office/drawing/2014/main" id="{52FE7877-B31C-4391-9F18-1EE8CB8AE500}"/>
+                <a16:creationId xmlns:a16="http://schemas.microsoft.com/office/drawing/2014/main" xmlns="" id="{52FE7877-B31C-4391-9F18-1EE8CB8AE500}"/>
               </a:ext>
             </a:extLst>
           </p:cNvPr>
@@ -6090,234 +6180,6 @@
           <a:chExt cx="0" cy="0"/>
         </a:xfrm>
       </p:grpSpPr>
-      <p:pic>
-        <p:nvPicPr>
-          <p:cNvPr id="1026" name="Picture 2" descr="D:\大学化学封面与封底 201808.JPG"/>
-          <p:cNvPicPr>
-            <a:picLocks noChangeAspect="1" noChangeArrowheads="1"/>
-          </p:cNvPicPr>
-          <p:nvPr/>
-        </p:nvPicPr>
-        <p:blipFill>
-          <a:blip r:embed="rId2" cstate="print">
-            <a:extLst>
-              <a:ext uri="{28A0092B-C50C-407E-A947-70E740481C1C}">
-                <a14:useLocalDpi xmlns:a14="http://schemas.microsoft.com/office/drawing/2010/main" val="0"/>
-              </a:ext>
-            </a:extLst>
-          </a:blip>
-          <a:srcRect/>
-          <a:stretch>
-            <a:fillRect/>
-          </a:stretch>
-        </p:blipFill>
-        <p:spPr bwMode="auto">
-          <a:xfrm>
-            <a:off x="2451413" y="1930790"/>
-            <a:ext cx="6741971" cy="4575288"/>
-          </a:xfrm>
-          <a:prstGeom prst="rect">
-            <a:avLst/>
-          </a:prstGeom>
-          <a:noFill/>
-          <a:extLst>
-            <a:ext uri="{909E8E84-426E-40DD-AFC4-6F175D3DCCD1}">
-              <a14:hiddenFill xmlns:a14="http://schemas.microsoft.com/office/drawing/2010/main">
-                <a:solidFill>
-                  <a:srgbClr val="FFFFFF"/>
-                </a:solidFill>
-              </a14:hiddenFill>
-            </a:ext>
-          </a:extLst>
-        </p:spPr>
-      </p:pic>
-      <p:sp>
-        <p:nvSpPr>
-          <p:cNvPr id="2" name="矩形 1"/>
-          <p:cNvSpPr/>
-          <p:nvPr/>
-        </p:nvSpPr>
-        <p:spPr>
-          <a:xfrm>
-            <a:off x="2875778" y="114590"/>
-            <a:ext cx="4338047" cy="523220"/>
-          </a:xfrm>
-          <a:prstGeom prst="rect">
-            <a:avLst/>
-          </a:prstGeom>
-        </p:spPr>
-        <p:txBody>
-          <a:bodyPr wrap="none">
-            <a:spAutoFit/>
-          </a:bodyPr>
-          <a:lstStyle/>
-          <a:p>
-            <a:pPr lvl="0" algn="ctr"/>
-            <a:r>
-              <a:rPr lang="zh-CN" altLang="en-US" sz="2800" b="1" dirty="0" smtClean="0">
-                <a:solidFill>
-                  <a:srgbClr val="000000"/>
-                </a:solidFill>
-                <a:latin typeface="楷体" pitchFamily="49" charset="-122"/>
-                <a:ea typeface="楷体" pitchFamily="49" charset="-122"/>
-                <a:cs typeface="Arial" pitchFamily="34" charset="0"/>
-              </a:rPr>
-              <a:t>本 课 程 使 用 的 教 材</a:t>
-            </a:r>
-            <a:endParaRPr lang="zh-CN" altLang="zh-CN" sz="2800" b="1" dirty="0">
-              <a:solidFill>
-                <a:srgbClr val="000000"/>
-              </a:solidFill>
-              <a:latin typeface="楷体" pitchFamily="49" charset="-122"/>
-              <a:ea typeface="楷体" pitchFamily="49" charset="-122"/>
-              <a:cs typeface="Arial" pitchFamily="34" charset="0"/>
-            </a:endParaRPr>
-          </a:p>
-        </p:txBody>
-      </p:sp>
-      <p:sp>
-        <p:nvSpPr>
-          <p:cNvPr id="3" name="矩形 2"/>
-          <p:cNvSpPr/>
-          <p:nvPr/>
-        </p:nvSpPr>
-        <p:spPr>
-          <a:xfrm>
-            <a:off x="241958" y="827390"/>
-            <a:ext cx="10570522" cy="830997"/>
-          </a:xfrm>
-          <a:prstGeom prst="rect">
-            <a:avLst/>
-          </a:prstGeom>
-        </p:spPr>
-        <p:txBody>
-          <a:bodyPr wrap="none">
-            <a:spAutoFit/>
-          </a:bodyPr>
-          <a:lstStyle/>
-          <a:p>
-            <a:pPr lvl="0" algn="ctr"/>
-            <a:r>
-              <a:rPr lang="zh-CN" altLang="en-US" sz="2400" b="1" dirty="0" smtClean="0">
-                <a:solidFill>
-                  <a:srgbClr val="000000"/>
-                </a:solidFill>
-                <a:latin typeface="楷体" pitchFamily="49" charset="-122"/>
-                <a:ea typeface="楷体" pitchFamily="49" charset="-122"/>
-                <a:cs typeface="Arial" pitchFamily="34" charset="0"/>
-              </a:rPr>
-              <a:t>龚孟濂、乔正平主编，梁宏斌、甘峰、石建新、卢锡洪编著，</a:t>
-            </a:r>
-            <a:endParaRPr lang="en-US" altLang="zh-CN" sz="2400" b="1" dirty="0" smtClean="0">
-              <a:solidFill>
-                <a:srgbClr val="000000"/>
-              </a:solidFill>
-              <a:latin typeface="楷体" pitchFamily="49" charset="-122"/>
-              <a:ea typeface="楷体" pitchFamily="49" charset="-122"/>
-              <a:cs typeface="Arial" pitchFamily="34" charset="0"/>
-            </a:endParaRPr>
-          </a:p>
-          <a:p>
-            <a:pPr lvl="0" algn="ctr"/>
-            <a:r>
-              <a:rPr lang="en-US" altLang="zh-CN" sz="2400" b="1" dirty="0" smtClean="0">
-                <a:solidFill>
-                  <a:srgbClr val="000000"/>
-                </a:solidFill>
-                <a:latin typeface="楷体" pitchFamily="49" charset="-122"/>
-                <a:ea typeface="楷体" pitchFamily="49" charset="-122"/>
-                <a:cs typeface="Arial" pitchFamily="34" charset="0"/>
-              </a:rPr>
-              <a:t>《</a:t>
-            </a:r>
-            <a:r>
-              <a:rPr lang="zh-CN" altLang="en-US" sz="2400" b="1" dirty="0" smtClean="0">
-                <a:solidFill>
-                  <a:srgbClr val="000000"/>
-                </a:solidFill>
-                <a:latin typeface="楷体" pitchFamily="49" charset="-122"/>
-                <a:ea typeface="楷体" pitchFamily="49" charset="-122"/>
-                <a:cs typeface="Arial" pitchFamily="34" charset="0"/>
-              </a:rPr>
-              <a:t>大学化学</a:t>
-            </a:r>
-            <a:r>
-              <a:rPr lang="en-US" altLang="zh-CN" sz="2400" b="1" dirty="0" smtClean="0">
-                <a:solidFill>
-                  <a:srgbClr val="000000"/>
-                </a:solidFill>
-                <a:latin typeface="楷体" pitchFamily="49" charset="-122"/>
-                <a:ea typeface="楷体" pitchFamily="49" charset="-122"/>
-                <a:cs typeface="Arial" pitchFamily="34" charset="0"/>
-              </a:rPr>
-              <a:t>》</a:t>
-            </a:r>
-            <a:r>
-              <a:rPr lang="zh-CN" altLang="en-US" sz="2400" b="1" dirty="0" smtClean="0">
-                <a:solidFill>
-                  <a:srgbClr val="000000"/>
-                </a:solidFill>
-                <a:latin typeface="楷体" pitchFamily="49" charset="-122"/>
-                <a:ea typeface="楷体" pitchFamily="49" charset="-122"/>
-                <a:cs typeface="Arial" pitchFamily="34" charset="0"/>
-              </a:rPr>
-              <a:t>，科学出版社，北京，</a:t>
-            </a:r>
-            <a:r>
-              <a:rPr lang="en-US" altLang="zh-CN" sz="2400" b="1" dirty="0" smtClean="0">
-                <a:solidFill>
-                  <a:srgbClr val="000000"/>
-                </a:solidFill>
-                <a:latin typeface="楷体" pitchFamily="49" charset="-122"/>
-                <a:ea typeface="楷体" pitchFamily="49" charset="-122"/>
-                <a:cs typeface="Arial" pitchFamily="34" charset="0"/>
-              </a:rPr>
-              <a:t>2018</a:t>
-            </a:r>
-            <a:r>
-              <a:rPr lang="zh-CN" altLang="en-US" sz="2400" b="1" smtClean="0">
-                <a:solidFill>
-                  <a:srgbClr val="000000"/>
-                </a:solidFill>
-                <a:latin typeface="楷体" pitchFamily="49" charset="-122"/>
-                <a:ea typeface="楷体" pitchFamily="49" charset="-122"/>
-                <a:cs typeface="Arial" pitchFamily="34" charset="0"/>
-              </a:rPr>
-              <a:t>第一版，</a:t>
-            </a:r>
-            <a:r>
-              <a:rPr lang="en-US" altLang="zh-CN" sz="2400" b="1" smtClean="0">
-                <a:solidFill>
-                  <a:srgbClr val="000000"/>
-                </a:solidFill>
-                <a:latin typeface="楷体" pitchFamily="49" charset="-122"/>
-                <a:ea typeface="楷体" pitchFamily="49" charset="-122"/>
-                <a:cs typeface="Arial" pitchFamily="34" charset="0"/>
-              </a:rPr>
-              <a:t>ISBN </a:t>
-            </a:r>
-            <a:r>
-              <a:rPr lang="en-US" altLang="zh-CN" sz="2400" b="1" dirty="0" smtClean="0">
-                <a:solidFill>
-                  <a:srgbClr val="000000"/>
-                </a:solidFill>
-                <a:latin typeface="楷体" pitchFamily="49" charset="-122"/>
-                <a:ea typeface="楷体" pitchFamily="49" charset="-122"/>
-                <a:cs typeface="Arial" pitchFamily="34" charset="0"/>
-              </a:rPr>
-              <a:t>978-7-03-058317-8.</a:t>
-            </a:r>
-            <a:endParaRPr lang="zh-CN" altLang="zh-CN" sz="2400" b="1" dirty="0">
-              <a:solidFill>
-                <a:srgbClr val="000000"/>
-              </a:solidFill>
-              <a:latin typeface="楷体" pitchFamily="49" charset="-122"/>
-              <a:ea typeface="楷体" pitchFamily="49" charset="-122"/>
-              <a:cs typeface="Arial" pitchFamily="34" charset="0"/>
-            </a:endParaRPr>
-          </a:p>
-        </p:txBody>
-      </p:sp>
     </p:spTree>
     <p:extLst>
       <p:ext uri="{BB962C8B-B14F-4D97-AF65-F5344CB8AC3E}">
@@ -6328,13 +6190,6 @@
   <p:clrMapOvr>
     <a:masterClrMapping/>
   </p:clrMapOvr>
-  <p:timing>
-    <p:tnLst>
-      <p:par>
-        <p:cTn id="1" dur="indefinite" restart="never" nodeType="tmRoot"/>
-      </p:par>
-    </p:tnLst>
-  </p:timing>
 </p:sld>
 </file>
 
@@ -6627,7 +6482,7 @@
   <a:extraClrSchemeLst/>
   <a:extLst>
     <a:ext uri="{05A4C25C-085E-4340-85A3-A5531E510DB2}">
-      <thm15:themeFamily xmlns="" xmlns:thm15="http://schemas.microsoft.com/office/thememl/2012/main" name="Office Theme" id="{62F939B6-93AF-4DB8-9C6B-D6C7DFDC589F}" vid="{4A3C46E8-61CC-4603-A589-7422A47A8E4A}"/>
+      <thm15:themeFamily xmlns:thm15="http://schemas.microsoft.com/office/thememl/2012/main" xmlns="" name="Office Theme" id="{62F939B6-93AF-4DB8-9C6B-D6C7DFDC589F}" vid="{4A3C46E8-61CC-4603-A589-7422A47A8E4A}"/>
     </a:ext>
   </a:extLst>
 </a:theme>
@@ -6922,7 +6777,7 @@
   <a:extraClrSchemeLst/>
   <a:extLst>
     <a:ext uri="{05A4C25C-085E-4340-85A3-A5531E510DB2}">
-      <thm15:themeFamily xmlns="" xmlns:thm15="http://schemas.microsoft.com/office/thememl/2012/main" name="Office Theme" id="{62F939B6-93AF-4DB8-9C6B-D6C7DFDC589F}" vid="{4A3C46E8-61CC-4603-A589-7422A47A8E4A}"/>
+      <thm15:themeFamily xmlns:thm15="http://schemas.microsoft.com/office/thememl/2012/main" xmlns="" name="Office Theme" id="{62F939B6-93AF-4DB8-9C6B-D6C7DFDC589F}" vid="{4A3C46E8-61CC-4603-A589-7422A47A8E4A}"/>
     </a:ext>
   </a:extLst>
 </a:theme>
